--- a/other_figures/mutations_on_trees.pptx
+++ b/other_figures/mutations_on_trees.pptx
@@ -243,7 +243,7 @@
           <a:p>
             <a:fld id="{207EDC68-3C0C-4A63-82D8-127EB3394BBE}" type="datetimeFigureOut">
               <a:rPr lang="en-US" smtClean="0"/>
-              <a:t>9/24/2020</a:t>
+              <a:t>9/26/2020</a:t>
             </a:fld>
             <a:endParaRPr lang="en-US"/>
           </a:p>
@@ -413,7 +413,7 @@
           <a:p>
             <a:fld id="{207EDC68-3C0C-4A63-82D8-127EB3394BBE}" type="datetimeFigureOut">
               <a:rPr lang="en-US" smtClean="0"/>
-              <a:t>9/24/2020</a:t>
+              <a:t>9/26/2020</a:t>
             </a:fld>
             <a:endParaRPr lang="en-US"/>
           </a:p>
@@ -593,7 +593,7 @@
           <a:p>
             <a:fld id="{207EDC68-3C0C-4A63-82D8-127EB3394BBE}" type="datetimeFigureOut">
               <a:rPr lang="en-US" smtClean="0"/>
-              <a:t>9/24/2020</a:t>
+              <a:t>9/26/2020</a:t>
             </a:fld>
             <a:endParaRPr lang="en-US"/>
           </a:p>
@@ -763,7 +763,7 @@
           <a:p>
             <a:fld id="{207EDC68-3C0C-4A63-82D8-127EB3394BBE}" type="datetimeFigureOut">
               <a:rPr lang="en-US" smtClean="0"/>
-              <a:t>9/24/2020</a:t>
+              <a:t>9/26/2020</a:t>
             </a:fld>
             <a:endParaRPr lang="en-US"/>
           </a:p>
@@ -1007,7 +1007,7 @@
           <a:p>
             <a:fld id="{207EDC68-3C0C-4A63-82D8-127EB3394BBE}" type="datetimeFigureOut">
               <a:rPr lang="en-US" smtClean="0"/>
-              <a:t>9/24/2020</a:t>
+              <a:t>9/26/2020</a:t>
             </a:fld>
             <a:endParaRPr lang="en-US"/>
           </a:p>
@@ -1239,7 +1239,7 @@
           <a:p>
             <a:fld id="{207EDC68-3C0C-4A63-82D8-127EB3394BBE}" type="datetimeFigureOut">
               <a:rPr lang="en-US" smtClean="0"/>
-              <a:t>9/24/2020</a:t>
+              <a:t>9/26/2020</a:t>
             </a:fld>
             <a:endParaRPr lang="en-US"/>
           </a:p>
@@ -1606,7 +1606,7 @@
           <a:p>
             <a:fld id="{207EDC68-3C0C-4A63-82D8-127EB3394BBE}" type="datetimeFigureOut">
               <a:rPr lang="en-US" smtClean="0"/>
-              <a:t>9/24/2020</a:t>
+              <a:t>9/26/2020</a:t>
             </a:fld>
             <a:endParaRPr lang="en-US"/>
           </a:p>
@@ -1724,7 +1724,7 @@
           <a:p>
             <a:fld id="{207EDC68-3C0C-4A63-82D8-127EB3394BBE}" type="datetimeFigureOut">
               <a:rPr lang="en-US" smtClean="0"/>
-              <a:t>9/24/2020</a:t>
+              <a:t>9/26/2020</a:t>
             </a:fld>
             <a:endParaRPr lang="en-US"/>
           </a:p>
@@ -1819,7 +1819,7 @@
           <a:p>
             <a:fld id="{207EDC68-3C0C-4A63-82D8-127EB3394BBE}" type="datetimeFigureOut">
               <a:rPr lang="en-US" smtClean="0"/>
-              <a:t>9/24/2020</a:t>
+              <a:t>9/26/2020</a:t>
             </a:fld>
             <a:endParaRPr lang="en-US"/>
           </a:p>
@@ -2096,7 +2096,7 @@
           <a:p>
             <a:fld id="{207EDC68-3C0C-4A63-82D8-127EB3394BBE}" type="datetimeFigureOut">
               <a:rPr lang="en-US" smtClean="0"/>
-              <a:t>9/24/2020</a:t>
+              <a:t>9/26/2020</a:t>
             </a:fld>
             <a:endParaRPr lang="en-US"/>
           </a:p>
@@ -2353,7 +2353,7 @@
           <a:p>
             <a:fld id="{207EDC68-3C0C-4A63-82D8-127EB3394BBE}" type="datetimeFigureOut">
               <a:rPr lang="en-US" smtClean="0"/>
-              <a:t>9/24/2020</a:t>
+              <a:t>9/26/2020</a:t>
             </a:fld>
             <a:endParaRPr lang="en-US"/>
           </a:p>
@@ -2566,7 +2566,7 @@
           <a:p>
             <a:fld id="{207EDC68-3C0C-4A63-82D8-127EB3394BBE}" type="datetimeFigureOut">
               <a:rPr lang="en-US" smtClean="0"/>
-              <a:t>9/24/2020</a:t>
+              <a:t>9/26/2020</a:t>
             </a:fld>
             <a:endParaRPr lang="en-US"/>
           </a:p>
@@ -4505,6 +4505,42 @@
           </a:fontRef>
         </p:style>
       </p:cxnSp>
+      <p:sp>
+        <p:nvSpPr>
+          <p:cNvPr id="2" name="TextBox 1">
+            <a:extLst>
+              <a:ext uri="{FF2B5EF4-FFF2-40B4-BE49-F238E27FC236}">
+                <a16:creationId xmlns:a16="http://schemas.microsoft.com/office/drawing/2014/main" id="{8B0F108A-B8EB-4534-91B6-EC990196C5C2}"/>
+              </a:ext>
+            </a:extLst>
+          </p:cNvPr>
+          <p:cNvSpPr txBox="1"/>
+          <p:nvPr/>
+        </p:nvSpPr>
+        <p:spPr>
+          <a:xfrm>
+            <a:off x="2980083" y="919837"/>
+            <a:ext cx="6231833" cy="461665"/>
+          </a:xfrm>
+          <a:prstGeom prst="rect">
+            <a:avLst/>
+          </a:prstGeom>
+          <a:noFill/>
+        </p:spPr>
+        <p:txBody>
+          <a:bodyPr wrap="square" rtlCol="0">
+            <a:spAutoFit/>
+          </a:bodyPr>
+          <a:lstStyle/>
+          <a:p>
+            <a:pPr algn="ctr"/>
+            <a:r>
+              <a:rPr lang="en-US" sz="2400" b="1" dirty="0"/>
+              <a:t>Allelic Series as Functional Mutations on Trees</a:t>
+            </a:r>
+          </a:p>
+        </p:txBody>
+      </p:sp>
     </p:spTree>
     <p:extLst>
       <p:ext uri="{BB962C8B-B14F-4D97-AF65-F5344CB8AC3E}">

--- a/other_figures/mutations_on_trees.pptx
+++ b/other_figures/mutations_on_trees.pptx
@@ -243,7 +243,7 @@
           <a:p>
             <a:fld id="{207EDC68-3C0C-4A63-82D8-127EB3394BBE}" type="datetimeFigureOut">
               <a:rPr lang="en-US" smtClean="0"/>
-              <a:t>9/26/2020</a:t>
+              <a:t>10/2/2020</a:t>
             </a:fld>
             <a:endParaRPr lang="en-US"/>
           </a:p>
@@ -413,7 +413,7 @@
           <a:p>
             <a:fld id="{207EDC68-3C0C-4A63-82D8-127EB3394BBE}" type="datetimeFigureOut">
               <a:rPr lang="en-US" smtClean="0"/>
-              <a:t>9/26/2020</a:t>
+              <a:t>10/2/2020</a:t>
             </a:fld>
             <a:endParaRPr lang="en-US"/>
           </a:p>
@@ -593,7 +593,7 @@
           <a:p>
             <a:fld id="{207EDC68-3C0C-4A63-82D8-127EB3394BBE}" type="datetimeFigureOut">
               <a:rPr lang="en-US" smtClean="0"/>
-              <a:t>9/26/2020</a:t>
+              <a:t>10/2/2020</a:t>
             </a:fld>
             <a:endParaRPr lang="en-US"/>
           </a:p>
@@ -763,7 +763,7 @@
           <a:p>
             <a:fld id="{207EDC68-3C0C-4A63-82D8-127EB3394BBE}" type="datetimeFigureOut">
               <a:rPr lang="en-US" smtClean="0"/>
-              <a:t>9/26/2020</a:t>
+              <a:t>10/2/2020</a:t>
             </a:fld>
             <a:endParaRPr lang="en-US"/>
           </a:p>
@@ -1007,7 +1007,7 @@
           <a:p>
             <a:fld id="{207EDC68-3C0C-4A63-82D8-127EB3394BBE}" type="datetimeFigureOut">
               <a:rPr lang="en-US" smtClean="0"/>
-              <a:t>9/26/2020</a:t>
+              <a:t>10/2/2020</a:t>
             </a:fld>
             <a:endParaRPr lang="en-US"/>
           </a:p>
@@ -1239,7 +1239,7 @@
           <a:p>
             <a:fld id="{207EDC68-3C0C-4A63-82D8-127EB3394BBE}" type="datetimeFigureOut">
               <a:rPr lang="en-US" smtClean="0"/>
-              <a:t>9/26/2020</a:t>
+              <a:t>10/2/2020</a:t>
             </a:fld>
             <a:endParaRPr lang="en-US"/>
           </a:p>
@@ -1606,7 +1606,7 @@
           <a:p>
             <a:fld id="{207EDC68-3C0C-4A63-82D8-127EB3394BBE}" type="datetimeFigureOut">
               <a:rPr lang="en-US" smtClean="0"/>
-              <a:t>9/26/2020</a:t>
+              <a:t>10/2/2020</a:t>
             </a:fld>
             <a:endParaRPr lang="en-US"/>
           </a:p>
@@ -1724,7 +1724,7 @@
           <a:p>
             <a:fld id="{207EDC68-3C0C-4A63-82D8-127EB3394BBE}" type="datetimeFigureOut">
               <a:rPr lang="en-US" smtClean="0"/>
-              <a:t>9/26/2020</a:t>
+              <a:t>10/2/2020</a:t>
             </a:fld>
             <a:endParaRPr lang="en-US"/>
           </a:p>
@@ -1819,7 +1819,7 @@
           <a:p>
             <a:fld id="{207EDC68-3C0C-4A63-82D8-127EB3394BBE}" type="datetimeFigureOut">
               <a:rPr lang="en-US" smtClean="0"/>
-              <a:t>9/26/2020</a:t>
+              <a:t>10/2/2020</a:t>
             </a:fld>
             <a:endParaRPr lang="en-US"/>
           </a:p>
@@ -2096,7 +2096,7 @@
           <a:p>
             <a:fld id="{207EDC68-3C0C-4A63-82D8-127EB3394BBE}" type="datetimeFigureOut">
               <a:rPr lang="en-US" smtClean="0"/>
-              <a:t>9/26/2020</a:t>
+              <a:t>10/2/2020</a:t>
             </a:fld>
             <a:endParaRPr lang="en-US"/>
           </a:p>
@@ -2353,7 +2353,7 @@
           <a:p>
             <a:fld id="{207EDC68-3C0C-4A63-82D8-127EB3394BBE}" type="datetimeFigureOut">
               <a:rPr lang="en-US" smtClean="0"/>
-              <a:t>9/26/2020</a:t>
+              <a:t>10/2/2020</a:t>
             </a:fld>
             <a:endParaRPr lang="en-US"/>
           </a:p>
@@ -2566,7 +2566,7 @@
           <a:p>
             <a:fld id="{207EDC68-3C0C-4A63-82D8-127EB3394BBE}" type="datetimeFigureOut">
               <a:rPr lang="en-US" smtClean="0"/>
-              <a:t>9/26/2020</a:t>
+              <a:t>10/2/2020</a:t>
             </a:fld>
             <a:endParaRPr lang="en-US"/>
           </a:p>
@@ -2971,78 +2971,960 @@
           <a:chExt cx="0" cy="0"/>
         </a:xfrm>
       </p:grpSpPr>
-      <p:pic>
-        <p:nvPicPr>
-          <p:cNvPr id="67" name="Picture 66">
+      <p:cxnSp>
+        <p:nvCxnSpPr>
+          <p:cNvPr id="153" name="Straight Connector 152">
             <a:extLst>
               <a:ext uri="{FF2B5EF4-FFF2-40B4-BE49-F238E27FC236}">
-                <a16:creationId xmlns:a16="http://schemas.microsoft.com/office/drawing/2014/main" id="{F57DEFA5-BF62-4B04-AD58-C350A738DF92}"/>
+                <a16:creationId xmlns:a16="http://schemas.microsoft.com/office/drawing/2014/main" id="{E28A744A-7F19-4F1B-9149-05A7F4BF1B13}"/>
               </a:ext>
             </a:extLst>
           </p:cNvPr>
-          <p:cNvPicPr>
-            <a:picLocks noChangeAspect="1"/>
-          </p:cNvPicPr>
+          <p:cNvCxnSpPr>
+            <a:cxnSpLocks/>
+            <a:endCxn id="162" idx="2"/>
+          </p:cNvCxnSpPr>
           <p:nvPr/>
-        </p:nvPicPr>
-        <p:blipFill>
-          <a:blip r:embed="rId2">
-            <a:extLst>
-              <a:ext uri="{28A0092B-C50C-407E-A947-70E740481C1C}">
-                <a14:useLocalDpi xmlns:a14="http://schemas.microsoft.com/office/drawing/2010/main" val="0"/>
-              </a:ext>
-            </a:extLst>
-          </a:blip>
-          <a:stretch>
-            <a:fillRect/>
-          </a:stretch>
-        </p:blipFill>
-        <p:spPr>
-          <a:xfrm>
-            <a:off x="8256105" y="1673088"/>
-            <a:ext cx="3511825" cy="3511825"/>
-          </a:xfrm>
-          <a:prstGeom prst="rect">
-            <a:avLst/>
-          </a:prstGeom>
-        </p:spPr>
-      </p:pic>
-      <p:pic>
-        <p:nvPicPr>
-          <p:cNvPr id="68" name="Picture 67">
+        </p:nvCxnSpPr>
+        <p:spPr>
+          <a:xfrm>
+            <a:off x="6636557" y="4169229"/>
+            <a:ext cx="758565" cy="382891"/>
+          </a:xfrm>
+          <a:prstGeom prst="line">
+            <a:avLst/>
+          </a:prstGeom>
+          <a:ln w="57150">
+            <a:solidFill>
+              <a:schemeClr val="tx1"/>
+            </a:solidFill>
+          </a:ln>
+        </p:spPr>
+        <p:style>
+          <a:lnRef idx="1">
+            <a:schemeClr val="accent1"/>
+          </a:lnRef>
+          <a:fillRef idx="0">
+            <a:schemeClr val="accent1"/>
+          </a:fillRef>
+          <a:effectRef idx="0">
+            <a:schemeClr val="accent1"/>
+          </a:effectRef>
+          <a:fontRef idx="minor">
+            <a:schemeClr val="tx1"/>
+          </a:fontRef>
+        </p:style>
+      </p:cxnSp>
+      <p:cxnSp>
+        <p:nvCxnSpPr>
+          <p:cNvPr id="154" name="Straight Connector 153">
             <a:extLst>
               <a:ext uri="{FF2B5EF4-FFF2-40B4-BE49-F238E27FC236}">
-                <a16:creationId xmlns:a16="http://schemas.microsoft.com/office/drawing/2014/main" id="{B067FD1B-5761-49C9-B57B-AE4C379AA4AF}"/>
+                <a16:creationId xmlns:a16="http://schemas.microsoft.com/office/drawing/2014/main" id="{C167D70B-3479-4955-AEEA-53776AE00FE8}"/>
               </a:ext>
             </a:extLst>
           </p:cNvPr>
-          <p:cNvPicPr>
-            <a:picLocks noChangeAspect="1"/>
-          </p:cNvPicPr>
+          <p:cNvCxnSpPr>
+            <a:cxnSpLocks/>
+            <a:stCxn id="159" idx="2"/>
+          </p:cNvCxnSpPr>
           <p:nvPr/>
-        </p:nvPicPr>
-        <p:blipFill>
-          <a:blip r:embed="rId3">
+        </p:nvCxnSpPr>
+        <p:spPr>
+          <a:xfrm flipH="1">
+            <a:off x="6168471" y="2196547"/>
+            <a:ext cx="1226651" cy="402300"/>
+          </a:xfrm>
+          <a:prstGeom prst="line">
+            <a:avLst/>
+          </a:prstGeom>
+          <a:ln w="57150">
+            <a:solidFill>
+              <a:schemeClr val="tx1"/>
+            </a:solidFill>
+          </a:ln>
+        </p:spPr>
+        <p:style>
+          <a:lnRef idx="1">
+            <a:schemeClr val="accent1"/>
+          </a:lnRef>
+          <a:fillRef idx="0">
+            <a:schemeClr val="accent1"/>
+          </a:fillRef>
+          <a:effectRef idx="0">
+            <a:schemeClr val="accent1"/>
+          </a:effectRef>
+          <a:fontRef idx="minor">
+            <a:schemeClr val="tx1"/>
+          </a:fontRef>
+        </p:style>
+      </p:cxnSp>
+      <p:cxnSp>
+        <p:nvCxnSpPr>
+          <p:cNvPr id="155" name="Straight Connector 154">
             <a:extLst>
-              <a:ext uri="{28A0092B-C50C-407E-A947-70E740481C1C}">
-                <a14:useLocalDpi xmlns:a14="http://schemas.microsoft.com/office/drawing/2010/main" val="0"/>
+              <a:ext uri="{FF2B5EF4-FFF2-40B4-BE49-F238E27FC236}">
+                <a16:creationId xmlns:a16="http://schemas.microsoft.com/office/drawing/2014/main" id="{EE9A5D06-7F29-4B7D-B54F-8E3703E1A3A2}"/>
               </a:ext>
             </a:extLst>
-          </a:blip>
-          <a:stretch>
-            <a:fillRect/>
-          </a:stretch>
-        </p:blipFill>
-        <p:spPr>
-          <a:xfrm>
-            <a:off x="86138" y="1673087"/>
-            <a:ext cx="3511825" cy="3511825"/>
+          </p:cNvPr>
+          <p:cNvCxnSpPr>
+            <a:cxnSpLocks/>
+            <a:stCxn id="160" idx="2"/>
+          </p:cNvCxnSpPr>
+          <p:nvPr/>
+        </p:nvCxnSpPr>
+        <p:spPr>
+          <a:xfrm flipH="1" flipV="1">
+            <a:off x="6195808" y="2588077"/>
+            <a:ext cx="1199314" cy="393661"/>
+          </a:xfrm>
+          <a:prstGeom prst="line">
+            <a:avLst/>
+          </a:prstGeom>
+          <a:ln w="57150">
+            <a:solidFill>
+              <a:schemeClr val="tx1"/>
+            </a:solidFill>
+          </a:ln>
+        </p:spPr>
+        <p:style>
+          <a:lnRef idx="1">
+            <a:schemeClr val="accent1"/>
+          </a:lnRef>
+          <a:fillRef idx="0">
+            <a:schemeClr val="accent1"/>
+          </a:fillRef>
+          <a:effectRef idx="0">
+            <a:schemeClr val="accent1"/>
+          </a:effectRef>
+          <a:fontRef idx="minor">
+            <a:schemeClr val="tx1"/>
+          </a:fontRef>
+        </p:style>
+      </p:cxnSp>
+      <p:cxnSp>
+        <p:nvCxnSpPr>
+          <p:cNvPr id="156" name="Straight Connector 155">
+            <a:extLst>
+              <a:ext uri="{FF2B5EF4-FFF2-40B4-BE49-F238E27FC236}">
+                <a16:creationId xmlns:a16="http://schemas.microsoft.com/office/drawing/2014/main" id="{929F3C37-3872-45E1-8C75-655BAF435AE4}"/>
+              </a:ext>
+            </a:extLst>
+          </p:cNvPr>
+          <p:cNvCxnSpPr>
+            <a:cxnSpLocks/>
+          </p:cNvCxnSpPr>
+          <p:nvPr/>
+        </p:nvCxnSpPr>
+        <p:spPr>
+          <a:xfrm flipH="1">
+            <a:off x="4704222" y="2588078"/>
+            <a:ext cx="1491586" cy="807791"/>
+          </a:xfrm>
+          <a:prstGeom prst="line">
+            <a:avLst/>
+          </a:prstGeom>
+          <a:ln w="57150">
+            <a:solidFill>
+              <a:schemeClr val="tx1"/>
+            </a:solidFill>
+          </a:ln>
+        </p:spPr>
+        <p:style>
+          <a:lnRef idx="1">
+            <a:schemeClr val="accent1"/>
+          </a:lnRef>
+          <a:fillRef idx="0">
+            <a:schemeClr val="accent1"/>
+          </a:fillRef>
+          <a:effectRef idx="0">
+            <a:schemeClr val="accent1"/>
+          </a:effectRef>
+          <a:fontRef idx="minor">
+            <a:schemeClr val="tx1"/>
+          </a:fontRef>
+        </p:style>
+      </p:cxnSp>
+      <p:cxnSp>
+        <p:nvCxnSpPr>
+          <p:cNvPr id="157" name="Straight Connector 156">
+            <a:extLst>
+              <a:ext uri="{FF2B5EF4-FFF2-40B4-BE49-F238E27FC236}">
+                <a16:creationId xmlns:a16="http://schemas.microsoft.com/office/drawing/2014/main" id="{95D9EBFB-674E-4D54-A66C-36EB3E7862E7}"/>
+              </a:ext>
+            </a:extLst>
+          </p:cNvPr>
+          <p:cNvCxnSpPr>
+            <a:cxnSpLocks/>
+          </p:cNvCxnSpPr>
+          <p:nvPr/>
+        </p:nvCxnSpPr>
+        <p:spPr>
+          <a:xfrm flipH="1" flipV="1">
+            <a:off x="4704222" y="3395869"/>
+            <a:ext cx="1932336" cy="773361"/>
+          </a:xfrm>
+          <a:prstGeom prst="line">
+            <a:avLst/>
+          </a:prstGeom>
+          <a:ln w="57150">
+            <a:solidFill>
+              <a:schemeClr val="tx1"/>
+            </a:solidFill>
+          </a:ln>
+        </p:spPr>
+        <p:style>
+          <a:lnRef idx="1">
+            <a:schemeClr val="accent1"/>
+          </a:lnRef>
+          <a:fillRef idx="0">
+            <a:schemeClr val="accent1"/>
+          </a:fillRef>
+          <a:effectRef idx="0">
+            <a:schemeClr val="accent1"/>
+          </a:effectRef>
+          <a:fontRef idx="minor">
+            <a:schemeClr val="tx1"/>
+          </a:fontRef>
+        </p:style>
+      </p:cxnSp>
+      <p:cxnSp>
+        <p:nvCxnSpPr>
+          <p:cNvPr id="158" name="Straight Connector 157">
+            <a:extLst>
+              <a:ext uri="{FF2B5EF4-FFF2-40B4-BE49-F238E27FC236}">
+                <a16:creationId xmlns:a16="http://schemas.microsoft.com/office/drawing/2014/main" id="{6B7452AF-267F-45D6-AE27-CAC7632371B4}"/>
+              </a:ext>
+            </a:extLst>
+          </p:cNvPr>
+          <p:cNvCxnSpPr>
+            <a:cxnSpLocks/>
+            <a:endCxn id="161" idx="2"/>
+          </p:cNvCxnSpPr>
+          <p:nvPr/>
+        </p:nvCxnSpPr>
+        <p:spPr>
+          <a:xfrm flipV="1">
+            <a:off x="6636557" y="3766929"/>
+            <a:ext cx="758565" cy="402300"/>
+          </a:xfrm>
+          <a:prstGeom prst="line">
+            <a:avLst/>
+          </a:prstGeom>
+          <a:ln w="57150">
+            <a:solidFill>
+              <a:schemeClr val="tx1"/>
+            </a:solidFill>
+          </a:ln>
+        </p:spPr>
+        <p:style>
+          <a:lnRef idx="1">
+            <a:schemeClr val="accent1"/>
+          </a:lnRef>
+          <a:fillRef idx="0">
+            <a:schemeClr val="accent1"/>
+          </a:fillRef>
+          <a:effectRef idx="0">
+            <a:schemeClr val="accent1"/>
+          </a:effectRef>
+          <a:fontRef idx="minor">
+            <a:schemeClr val="tx1"/>
+          </a:fontRef>
+        </p:style>
+      </p:cxnSp>
+      <p:sp>
+        <p:nvSpPr>
+          <p:cNvPr id="159" name="Oval 158">
+            <a:extLst>
+              <a:ext uri="{FF2B5EF4-FFF2-40B4-BE49-F238E27FC236}">
+                <a16:creationId xmlns:a16="http://schemas.microsoft.com/office/drawing/2014/main" id="{17382CC3-1E9F-4F7D-8DC5-85E6A96FA465}"/>
+              </a:ext>
+            </a:extLst>
+          </p:cNvPr>
+          <p:cNvSpPr/>
+          <p:nvPr/>
+        </p:nvSpPr>
+        <p:spPr>
+          <a:xfrm>
+            <a:off x="7395122" y="1934816"/>
+            <a:ext cx="523462" cy="523462"/>
+          </a:xfrm>
+          <a:prstGeom prst="ellipse">
+            <a:avLst/>
+          </a:prstGeom>
+          <a:noFill/>
+          <a:ln w="57150">
+            <a:solidFill>
+              <a:schemeClr val="accent4"/>
+            </a:solidFill>
+          </a:ln>
+        </p:spPr>
+        <p:style>
+          <a:lnRef idx="2">
+            <a:schemeClr val="accent1">
+              <a:shade val="50000"/>
+            </a:schemeClr>
+          </a:lnRef>
+          <a:fillRef idx="1">
+            <a:schemeClr val="accent1"/>
+          </a:fillRef>
+          <a:effectRef idx="0">
+            <a:schemeClr val="accent1"/>
+          </a:effectRef>
+          <a:fontRef idx="minor">
+            <a:schemeClr val="lt1"/>
+          </a:fontRef>
+        </p:style>
+        <p:txBody>
+          <a:bodyPr rtlCol="0" anchor="ctr"/>
+          <a:lstStyle/>
+          <a:p>
+            <a:pPr algn="ctr"/>
+            <a:endParaRPr lang="en-US">
+              <a:latin typeface="Arial" panose="020B0604020202020204" pitchFamily="34" charset="0"/>
+              <a:cs typeface="Arial" panose="020B0604020202020204" pitchFamily="34" charset="0"/>
+            </a:endParaRPr>
+          </a:p>
+        </p:txBody>
+      </p:sp>
+      <p:sp>
+        <p:nvSpPr>
+          <p:cNvPr id="160" name="Oval 159">
+            <a:extLst>
+              <a:ext uri="{FF2B5EF4-FFF2-40B4-BE49-F238E27FC236}">
+                <a16:creationId xmlns:a16="http://schemas.microsoft.com/office/drawing/2014/main" id="{53B927FA-2D04-4E58-97EA-1D6A9646A329}"/>
+              </a:ext>
+            </a:extLst>
+          </p:cNvPr>
+          <p:cNvSpPr/>
+          <p:nvPr/>
+        </p:nvSpPr>
+        <p:spPr>
+          <a:xfrm>
+            <a:off x="7395122" y="2720007"/>
+            <a:ext cx="523462" cy="523462"/>
+          </a:xfrm>
+          <a:prstGeom prst="ellipse">
+            <a:avLst/>
+          </a:prstGeom>
+          <a:noFill/>
+          <a:ln w="57150">
+            <a:solidFill>
+              <a:schemeClr val="accent4"/>
+            </a:solidFill>
+          </a:ln>
+        </p:spPr>
+        <p:style>
+          <a:lnRef idx="2">
+            <a:schemeClr val="accent1">
+              <a:shade val="50000"/>
+            </a:schemeClr>
+          </a:lnRef>
+          <a:fillRef idx="1">
+            <a:schemeClr val="accent1"/>
+          </a:fillRef>
+          <a:effectRef idx="0">
+            <a:schemeClr val="accent1"/>
+          </a:effectRef>
+          <a:fontRef idx="minor">
+            <a:schemeClr val="lt1"/>
+          </a:fontRef>
+        </p:style>
+        <p:txBody>
+          <a:bodyPr rtlCol="0" anchor="ctr"/>
+          <a:lstStyle/>
+          <a:p>
+            <a:pPr algn="ctr"/>
+            <a:endParaRPr lang="en-US">
+              <a:latin typeface="Arial" panose="020B0604020202020204" pitchFamily="34" charset="0"/>
+              <a:cs typeface="Arial" panose="020B0604020202020204" pitchFamily="34" charset="0"/>
+            </a:endParaRPr>
+          </a:p>
+        </p:txBody>
+      </p:sp>
+      <p:sp>
+        <p:nvSpPr>
+          <p:cNvPr id="161" name="Oval 160">
+            <a:extLst>
+              <a:ext uri="{FF2B5EF4-FFF2-40B4-BE49-F238E27FC236}">
+                <a16:creationId xmlns:a16="http://schemas.microsoft.com/office/drawing/2014/main" id="{9424590D-8DC3-419E-867E-43D4C158B869}"/>
+              </a:ext>
+            </a:extLst>
+          </p:cNvPr>
+          <p:cNvSpPr/>
+          <p:nvPr/>
+        </p:nvSpPr>
+        <p:spPr>
+          <a:xfrm>
+            <a:off x="7395122" y="3505198"/>
+            <a:ext cx="523462" cy="523462"/>
+          </a:xfrm>
+          <a:prstGeom prst="ellipse">
+            <a:avLst/>
+          </a:prstGeom>
+          <a:noFill/>
+          <a:ln w="57150">
+            <a:solidFill>
+              <a:schemeClr val="accent1"/>
+            </a:solidFill>
+          </a:ln>
+        </p:spPr>
+        <p:style>
+          <a:lnRef idx="2">
+            <a:schemeClr val="accent1">
+              <a:shade val="50000"/>
+            </a:schemeClr>
+          </a:lnRef>
+          <a:fillRef idx="1">
+            <a:schemeClr val="accent1"/>
+          </a:fillRef>
+          <a:effectRef idx="0">
+            <a:schemeClr val="accent1"/>
+          </a:effectRef>
+          <a:fontRef idx="minor">
+            <a:schemeClr val="lt1"/>
+          </a:fontRef>
+        </p:style>
+        <p:txBody>
+          <a:bodyPr rtlCol="0" anchor="ctr"/>
+          <a:lstStyle/>
+          <a:p>
+            <a:pPr algn="ctr"/>
+            <a:endParaRPr lang="en-US">
+              <a:latin typeface="Arial" panose="020B0604020202020204" pitchFamily="34" charset="0"/>
+              <a:cs typeface="Arial" panose="020B0604020202020204" pitchFamily="34" charset="0"/>
+            </a:endParaRPr>
+          </a:p>
+        </p:txBody>
+      </p:sp>
+      <p:sp>
+        <p:nvSpPr>
+          <p:cNvPr id="162" name="Oval 161">
+            <a:extLst>
+              <a:ext uri="{FF2B5EF4-FFF2-40B4-BE49-F238E27FC236}">
+                <a16:creationId xmlns:a16="http://schemas.microsoft.com/office/drawing/2014/main" id="{BDB11418-7896-477D-AAA2-B6D537B455B8}"/>
+              </a:ext>
+            </a:extLst>
+          </p:cNvPr>
+          <p:cNvSpPr/>
+          <p:nvPr/>
+        </p:nvSpPr>
+        <p:spPr>
+          <a:xfrm>
+            <a:off x="7395122" y="4290389"/>
+            <a:ext cx="523462" cy="523462"/>
+          </a:xfrm>
+          <a:prstGeom prst="ellipse">
+            <a:avLst/>
+          </a:prstGeom>
+          <a:noFill/>
+          <a:ln w="57150">
+            <a:solidFill>
+              <a:schemeClr val="accent6"/>
+            </a:solidFill>
+          </a:ln>
+        </p:spPr>
+        <p:style>
+          <a:lnRef idx="2">
+            <a:schemeClr val="accent1">
+              <a:shade val="50000"/>
+            </a:schemeClr>
+          </a:lnRef>
+          <a:fillRef idx="1">
+            <a:schemeClr val="accent1"/>
+          </a:fillRef>
+          <a:effectRef idx="0">
+            <a:schemeClr val="accent1"/>
+          </a:effectRef>
+          <a:fontRef idx="minor">
+            <a:schemeClr val="lt1"/>
+          </a:fontRef>
+        </p:style>
+        <p:txBody>
+          <a:bodyPr rtlCol="0" anchor="ctr"/>
+          <a:lstStyle/>
+          <a:p>
+            <a:pPr algn="ctr"/>
+            <a:endParaRPr lang="en-US">
+              <a:latin typeface="Arial" panose="020B0604020202020204" pitchFamily="34" charset="0"/>
+              <a:cs typeface="Arial" panose="020B0604020202020204" pitchFamily="34" charset="0"/>
+            </a:endParaRPr>
+          </a:p>
+        </p:txBody>
+      </p:sp>
+      <p:sp>
+        <p:nvSpPr>
+          <p:cNvPr id="163" name="TextBox 162">
+            <a:extLst>
+              <a:ext uri="{FF2B5EF4-FFF2-40B4-BE49-F238E27FC236}">
+                <a16:creationId xmlns:a16="http://schemas.microsoft.com/office/drawing/2014/main" id="{134547E1-3571-4E2F-981E-239D29E21BB3}"/>
+              </a:ext>
+            </a:extLst>
+          </p:cNvPr>
+          <p:cNvSpPr txBox="1"/>
+          <p:nvPr/>
+        </p:nvSpPr>
+        <p:spPr>
+          <a:xfrm>
+            <a:off x="7497871" y="1987389"/>
+            <a:ext cx="319711" cy="400110"/>
           </a:xfrm>
           <a:prstGeom prst="rect">
             <a:avLst/>
           </a:prstGeom>
-        </p:spPr>
-      </p:pic>
+          <a:noFill/>
+        </p:spPr>
+        <p:txBody>
+          <a:bodyPr wrap="square" rtlCol="0">
+            <a:spAutoFit/>
+          </a:bodyPr>
+          <a:lstStyle/>
+          <a:p>
+            <a:pPr algn="ctr"/>
+            <a:r>
+              <a:rPr lang="en-US" sz="2000" dirty="0">
+                <a:latin typeface="Arial" panose="020B0604020202020204" pitchFamily="34" charset="0"/>
+                <a:cs typeface="Arial" panose="020B0604020202020204" pitchFamily="34" charset="0"/>
+              </a:rPr>
+              <a:t>D</a:t>
+            </a:r>
+          </a:p>
+        </p:txBody>
+      </p:sp>
+      <p:sp>
+        <p:nvSpPr>
+          <p:cNvPr id="164" name="TextBox 163">
+            <a:extLst>
+              <a:ext uri="{FF2B5EF4-FFF2-40B4-BE49-F238E27FC236}">
+                <a16:creationId xmlns:a16="http://schemas.microsoft.com/office/drawing/2014/main" id="{9A2FA3A9-ACE7-4A06-9F0F-4751F52A9586}"/>
+              </a:ext>
+            </a:extLst>
+          </p:cNvPr>
+          <p:cNvSpPr txBox="1"/>
+          <p:nvPr/>
+        </p:nvSpPr>
+        <p:spPr>
+          <a:xfrm>
+            <a:off x="7497871" y="2772580"/>
+            <a:ext cx="319711" cy="400110"/>
+          </a:xfrm>
+          <a:prstGeom prst="rect">
+            <a:avLst/>
+          </a:prstGeom>
+          <a:noFill/>
+        </p:spPr>
+        <p:txBody>
+          <a:bodyPr wrap="square" rtlCol="0">
+            <a:spAutoFit/>
+          </a:bodyPr>
+          <a:lstStyle/>
+          <a:p>
+            <a:pPr algn="ctr"/>
+            <a:r>
+              <a:rPr lang="en-US" sz="2000" dirty="0">
+                <a:latin typeface="Arial" panose="020B0604020202020204" pitchFamily="34" charset="0"/>
+                <a:cs typeface="Arial" panose="020B0604020202020204" pitchFamily="34" charset="0"/>
+              </a:rPr>
+              <a:t>A</a:t>
+            </a:r>
+          </a:p>
+        </p:txBody>
+      </p:sp>
+      <p:sp>
+        <p:nvSpPr>
+          <p:cNvPr id="165" name="TextBox 164">
+            <a:extLst>
+              <a:ext uri="{FF2B5EF4-FFF2-40B4-BE49-F238E27FC236}">
+                <a16:creationId xmlns:a16="http://schemas.microsoft.com/office/drawing/2014/main" id="{0B073E3C-B4FA-4C3E-88A6-9F918BC8BEA2}"/>
+              </a:ext>
+            </a:extLst>
+          </p:cNvPr>
+          <p:cNvSpPr txBox="1"/>
+          <p:nvPr/>
+        </p:nvSpPr>
+        <p:spPr>
+          <a:xfrm>
+            <a:off x="7498697" y="3557771"/>
+            <a:ext cx="319711" cy="400110"/>
+          </a:xfrm>
+          <a:prstGeom prst="rect">
+            <a:avLst/>
+          </a:prstGeom>
+          <a:noFill/>
+        </p:spPr>
+        <p:txBody>
+          <a:bodyPr wrap="square" rtlCol="0">
+            <a:spAutoFit/>
+          </a:bodyPr>
+          <a:lstStyle/>
+          <a:p>
+            <a:pPr algn="ctr"/>
+            <a:r>
+              <a:rPr lang="en-US" sz="2000" dirty="0">
+                <a:latin typeface="Arial" panose="020B0604020202020204" pitchFamily="34" charset="0"/>
+                <a:cs typeface="Arial" panose="020B0604020202020204" pitchFamily="34" charset="0"/>
+              </a:rPr>
+              <a:t>B</a:t>
+            </a:r>
+          </a:p>
+        </p:txBody>
+      </p:sp>
+      <p:sp>
+        <p:nvSpPr>
+          <p:cNvPr id="166" name="TextBox 165">
+            <a:extLst>
+              <a:ext uri="{FF2B5EF4-FFF2-40B4-BE49-F238E27FC236}">
+                <a16:creationId xmlns:a16="http://schemas.microsoft.com/office/drawing/2014/main" id="{D3A80840-E242-491C-AA1D-879CC72FCE56}"/>
+              </a:ext>
+            </a:extLst>
+          </p:cNvPr>
+          <p:cNvSpPr txBox="1"/>
+          <p:nvPr/>
+        </p:nvSpPr>
+        <p:spPr>
+          <a:xfrm>
+            <a:off x="7497871" y="4342962"/>
+            <a:ext cx="319711" cy="400110"/>
+          </a:xfrm>
+          <a:prstGeom prst="rect">
+            <a:avLst/>
+          </a:prstGeom>
+          <a:noFill/>
+        </p:spPr>
+        <p:txBody>
+          <a:bodyPr wrap="square" rtlCol="0">
+            <a:spAutoFit/>
+          </a:bodyPr>
+          <a:lstStyle/>
+          <a:p>
+            <a:pPr algn="ctr"/>
+            <a:r>
+              <a:rPr lang="en-US" sz="2000" dirty="0">
+                <a:latin typeface="Arial" panose="020B0604020202020204" pitchFamily="34" charset="0"/>
+                <a:cs typeface="Arial" panose="020B0604020202020204" pitchFamily="34" charset="0"/>
+              </a:rPr>
+              <a:t>C</a:t>
+            </a:r>
+          </a:p>
+        </p:txBody>
+      </p:sp>
+      <p:sp>
+        <p:nvSpPr>
+          <p:cNvPr id="167" name="Oval 166">
+            <a:extLst>
+              <a:ext uri="{FF2B5EF4-FFF2-40B4-BE49-F238E27FC236}">
+                <a16:creationId xmlns:a16="http://schemas.microsoft.com/office/drawing/2014/main" id="{9EA42BDE-8B9A-478A-9B69-FC18008963D2}"/>
+              </a:ext>
+            </a:extLst>
+          </p:cNvPr>
+          <p:cNvSpPr/>
+          <p:nvPr/>
+        </p:nvSpPr>
+        <p:spPr>
+          <a:xfrm>
+            <a:off x="4697872" y="3368674"/>
+            <a:ext cx="66675" cy="66675"/>
+          </a:xfrm>
+          <a:prstGeom prst="ellipse">
+            <a:avLst/>
+          </a:prstGeom>
+          <a:solidFill>
+            <a:schemeClr val="tx1"/>
+          </a:solidFill>
+          <a:ln>
+            <a:solidFill>
+              <a:schemeClr val="tx1"/>
+            </a:solidFill>
+          </a:ln>
+        </p:spPr>
+        <p:style>
+          <a:lnRef idx="2">
+            <a:schemeClr val="accent1">
+              <a:shade val="50000"/>
+            </a:schemeClr>
+          </a:lnRef>
+          <a:fillRef idx="1">
+            <a:schemeClr val="accent1"/>
+          </a:fillRef>
+          <a:effectRef idx="0">
+            <a:schemeClr val="accent1"/>
+          </a:effectRef>
+          <a:fontRef idx="minor">
+            <a:schemeClr val="lt1"/>
+          </a:fontRef>
+        </p:style>
+        <p:txBody>
+          <a:bodyPr rtlCol="0" anchor="ctr"/>
+          <a:lstStyle/>
+          <a:p>
+            <a:pPr algn="ctr"/>
+            <a:endParaRPr lang="en-US"/>
+          </a:p>
+        </p:txBody>
+      </p:sp>
+      <p:cxnSp>
+        <p:nvCxnSpPr>
+          <p:cNvPr id="61" name="Straight Connector 60">
+            <a:extLst>
+              <a:ext uri="{FF2B5EF4-FFF2-40B4-BE49-F238E27FC236}">
+                <a16:creationId xmlns:a16="http://schemas.microsoft.com/office/drawing/2014/main" id="{FF499C31-236F-430A-85A8-EB065E48947B}"/>
+              </a:ext>
+            </a:extLst>
+          </p:cNvPr>
+          <p:cNvCxnSpPr>
+            <a:cxnSpLocks/>
+            <a:endCxn id="72" idx="2"/>
+          </p:cNvCxnSpPr>
+          <p:nvPr/>
+        </p:nvCxnSpPr>
+        <p:spPr>
+          <a:xfrm>
+            <a:off x="2544536" y="4169229"/>
+            <a:ext cx="758565" cy="382891"/>
+          </a:xfrm>
+          <a:prstGeom prst="line">
+            <a:avLst/>
+          </a:prstGeom>
+          <a:ln w="57150">
+            <a:solidFill>
+              <a:schemeClr val="tx1"/>
+            </a:solidFill>
+          </a:ln>
+        </p:spPr>
+        <p:style>
+          <a:lnRef idx="1">
+            <a:schemeClr val="accent1"/>
+          </a:lnRef>
+          <a:fillRef idx="0">
+            <a:schemeClr val="accent1"/>
+          </a:fillRef>
+          <a:effectRef idx="0">
+            <a:schemeClr val="accent1"/>
+          </a:effectRef>
+          <a:fontRef idx="minor">
+            <a:schemeClr val="tx1"/>
+          </a:fontRef>
+        </p:style>
+      </p:cxnSp>
+      <p:cxnSp>
+        <p:nvCxnSpPr>
+          <p:cNvPr id="3" name="Straight Connector 2">
+            <a:extLst>
+              <a:ext uri="{FF2B5EF4-FFF2-40B4-BE49-F238E27FC236}">
+                <a16:creationId xmlns:a16="http://schemas.microsoft.com/office/drawing/2014/main" id="{DB330967-4BB0-4AD9-9C33-CFA98A1CD423}"/>
+              </a:ext>
+            </a:extLst>
+          </p:cNvPr>
+          <p:cNvCxnSpPr>
+            <a:cxnSpLocks/>
+            <a:stCxn id="69" idx="2"/>
+          </p:cNvCxnSpPr>
+          <p:nvPr/>
+        </p:nvCxnSpPr>
+        <p:spPr>
+          <a:xfrm flipH="1">
+            <a:off x="2076450" y="2196547"/>
+            <a:ext cx="1226651" cy="402300"/>
+          </a:xfrm>
+          <a:prstGeom prst="line">
+            <a:avLst/>
+          </a:prstGeom>
+          <a:ln w="57150">
+            <a:solidFill>
+              <a:schemeClr val="tx1"/>
+            </a:solidFill>
+          </a:ln>
+        </p:spPr>
+        <p:style>
+          <a:lnRef idx="1">
+            <a:schemeClr val="accent1"/>
+          </a:lnRef>
+          <a:fillRef idx="0">
+            <a:schemeClr val="accent1"/>
+          </a:fillRef>
+          <a:effectRef idx="0">
+            <a:schemeClr val="accent1"/>
+          </a:effectRef>
+          <a:fontRef idx="minor">
+            <a:schemeClr val="tx1"/>
+          </a:fontRef>
+        </p:style>
+      </p:cxnSp>
+      <p:cxnSp>
+        <p:nvCxnSpPr>
+          <p:cNvPr id="41" name="Straight Connector 40">
+            <a:extLst>
+              <a:ext uri="{FF2B5EF4-FFF2-40B4-BE49-F238E27FC236}">
+                <a16:creationId xmlns:a16="http://schemas.microsoft.com/office/drawing/2014/main" id="{78C2EFF4-2C48-4600-9736-2D6E7AC94FE9}"/>
+              </a:ext>
+            </a:extLst>
+          </p:cNvPr>
+          <p:cNvCxnSpPr>
+            <a:cxnSpLocks/>
+            <a:stCxn id="70" idx="2"/>
+          </p:cNvCxnSpPr>
+          <p:nvPr/>
+        </p:nvCxnSpPr>
+        <p:spPr>
+          <a:xfrm flipH="1" flipV="1">
+            <a:off x="2103787" y="2588077"/>
+            <a:ext cx="1199314" cy="393661"/>
+          </a:xfrm>
+          <a:prstGeom prst="line">
+            <a:avLst/>
+          </a:prstGeom>
+          <a:ln w="57150">
+            <a:solidFill>
+              <a:schemeClr val="tx1"/>
+            </a:solidFill>
+          </a:ln>
+        </p:spPr>
+        <p:style>
+          <a:lnRef idx="1">
+            <a:schemeClr val="accent1"/>
+          </a:lnRef>
+          <a:fillRef idx="0">
+            <a:schemeClr val="accent1"/>
+          </a:fillRef>
+          <a:effectRef idx="0">
+            <a:schemeClr val="accent1"/>
+          </a:effectRef>
+          <a:fontRef idx="minor">
+            <a:schemeClr val="tx1"/>
+          </a:fontRef>
+        </p:style>
+      </p:cxnSp>
+      <p:cxnSp>
+        <p:nvCxnSpPr>
+          <p:cNvPr id="13" name="Straight Connector 12">
+            <a:extLst>
+              <a:ext uri="{FF2B5EF4-FFF2-40B4-BE49-F238E27FC236}">
+                <a16:creationId xmlns:a16="http://schemas.microsoft.com/office/drawing/2014/main" id="{64FB35B6-77D3-49D8-BABC-6E8690C6D64A}"/>
+              </a:ext>
+            </a:extLst>
+          </p:cNvPr>
+          <p:cNvCxnSpPr>
+            <a:cxnSpLocks/>
+          </p:cNvCxnSpPr>
+          <p:nvPr/>
+        </p:nvCxnSpPr>
+        <p:spPr>
+          <a:xfrm flipH="1">
+            <a:off x="612201" y="2588078"/>
+            <a:ext cx="1491586" cy="807791"/>
+          </a:xfrm>
+          <a:prstGeom prst="line">
+            <a:avLst/>
+          </a:prstGeom>
+          <a:ln w="57150">
+            <a:solidFill>
+              <a:schemeClr val="tx1"/>
+            </a:solidFill>
+          </a:ln>
+        </p:spPr>
+        <p:style>
+          <a:lnRef idx="1">
+            <a:schemeClr val="accent1"/>
+          </a:lnRef>
+          <a:fillRef idx="0">
+            <a:schemeClr val="accent1"/>
+          </a:fillRef>
+          <a:effectRef idx="0">
+            <a:schemeClr val="accent1"/>
+          </a:effectRef>
+          <a:fontRef idx="minor">
+            <a:schemeClr val="tx1"/>
+          </a:fontRef>
+        </p:style>
+      </p:cxnSp>
+      <p:cxnSp>
+        <p:nvCxnSpPr>
+          <p:cNvPr id="52" name="Straight Connector 51">
+            <a:extLst>
+              <a:ext uri="{FF2B5EF4-FFF2-40B4-BE49-F238E27FC236}">
+                <a16:creationId xmlns:a16="http://schemas.microsoft.com/office/drawing/2014/main" id="{0CEF732C-E9CC-49F8-947F-FD9E7350FDC3}"/>
+              </a:ext>
+            </a:extLst>
+          </p:cNvPr>
+          <p:cNvCxnSpPr>
+            <a:cxnSpLocks/>
+          </p:cNvCxnSpPr>
+          <p:nvPr/>
+        </p:nvCxnSpPr>
+        <p:spPr>
+          <a:xfrm flipH="1" flipV="1">
+            <a:off x="612201" y="3395869"/>
+            <a:ext cx="1932336" cy="773361"/>
+          </a:xfrm>
+          <a:prstGeom prst="line">
+            <a:avLst/>
+          </a:prstGeom>
+          <a:ln w="57150">
+            <a:solidFill>
+              <a:schemeClr val="tx1"/>
+            </a:solidFill>
+          </a:ln>
+        </p:spPr>
+        <p:style>
+          <a:lnRef idx="1">
+            <a:schemeClr val="accent1"/>
+          </a:lnRef>
+          <a:fillRef idx="0">
+            <a:schemeClr val="accent1"/>
+          </a:fillRef>
+          <a:effectRef idx="0">
+            <a:schemeClr val="accent1"/>
+          </a:effectRef>
+          <a:fontRef idx="minor">
+            <a:schemeClr val="tx1"/>
+          </a:fontRef>
+        </p:style>
+      </p:cxnSp>
+      <p:cxnSp>
+        <p:nvCxnSpPr>
+          <p:cNvPr id="58" name="Straight Connector 57">
+            <a:extLst>
+              <a:ext uri="{FF2B5EF4-FFF2-40B4-BE49-F238E27FC236}">
+                <a16:creationId xmlns:a16="http://schemas.microsoft.com/office/drawing/2014/main" id="{5145980A-FEC2-412C-96DF-AA6C0C8BA80B}"/>
+              </a:ext>
+            </a:extLst>
+          </p:cNvPr>
+          <p:cNvCxnSpPr>
+            <a:cxnSpLocks/>
+            <a:endCxn id="71" idx="2"/>
+          </p:cNvCxnSpPr>
+          <p:nvPr/>
+        </p:nvCxnSpPr>
+        <p:spPr>
+          <a:xfrm flipV="1">
+            <a:off x="2544536" y="3766929"/>
+            <a:ext cx="758565" cy="402300"/>
+          </a:xfrm>
+          <a:prstGeom prst="line">
+            <a:avLst/>
+          </a:prstGeom>
+          <a:ln w="57150">
+            <a:solidFill>
+              <a:schemeClr val="tx1"/>
+            </a:solidFill>
+          </a:ln>
+        </p:spPr>
+        <p:style>
+          <a:lnRef idx="1">
+            <a:schemeClr val="accent1"/>
+          </a:lnRef>
+          <a:fillRef idx="0">
+            <a:schemeClr val="accent1"/>
+          </a:fillRef>
+          <a:effectRef idx="0">
+            <a:schemeClr val="accent1"/>
+          </a:effectRef>
+          <a:fontRef idx="minor">
+            <a:schemeClr val="tx1"/>
+          </a:fontRef>
+        </p:style>
+      </p:cxnSp>
       <p:sp>
         <p:nvSpPr>
           <p:cNvPr id="69" name="Oval 68">
@@ -3066,7 +3948,7 @@
           <a:noFill/>
           <a:ln w="57150">
             <a:solidFill>
-              <a:schemeClr val="accent2"/>
+              <a:schemeClr val="accent4"/>
             </a:solidFill>
           </a:ln>
         </p:spPr>
@@ -3091,7 +3973,10 @@
           <a:lstStyle/>
           <a:p>
             <a:pPr algn="ctr"/>
-            <a:endParaRPr lang="en-US"/>
+            <a:endParaRPr lang="en-US">
+              <a:latin typeface="Arial" panose="020B0604020202020204" pitchFamily="34" charset="0"/>
+              <a:cs typeface="Arial" panose="020B0604020202020204" pitchFamily="34" charset="0"/>
+            </a:endParaRPr>
           </a:p>
         </p:txBody>
       </p:sp>
@@ -3118,7 +4003,7 @@
           <a:noFill/>
           <a:ln w="57150">
             <a:solidFill>
-              <a:schemeClr val="accent2"/>
+              <a:schemeClr val="accent4"/>
             </a:solidFill>
           </a:ln>
         </p:spPr>
@@ -3143,7 +4028,10 @@
           <a:lstStyle/>
           <a:p>
             <a:pPr algn="ctr"/>
-            <a:endParaRPr lang="en-US"/>
+            <a:endParaRPr lang="en-US">
+              <a:latin typeface="Arial" panose="020B0604020202020204" pitchFamily="34" charset="0"/>
+              <a:cs typeface="Arial" panose="020B0604020202020204" pitchFamily="34" charset="0"/>
+            </a:endParaRPr>
           </a:p>
         </p:txBody>
       </p:sp>
@@ -3170,7 +4058,7 @@
           <a:noFill/>
           <a:ln w="57150">
             <a:solidFill>
-              <a:schemeClr val="accent5"/>
+              <a:schemeClr val="accent1"/>
             </a:solidFill>
           </a:ln>
         </p:spPr>
@@ -3195,7 +4083,10 @@
           <a:lstStyle/>
           <a:p>
             <a:pPr algn="ctr"/>
-            <a:endParaRPr lang="en-US"/>
+            <a:endParaRPr lang="en-US">
+              <a:latin typeface="Arial" panose="020B0604020202020204" pitchFamily="34" charset="0"/>
+              <a:cs typeface="Arial" panose="020B0604020202020204" pitchFamily="34" charset="0"/>
+            </a:endParaRPr>
           </a:p>
         </p:txBody>
       </p:sp>
@@ -3222,7 +4113,7 @@
           <a:noFill/>
           <a:ln w="57150">
             <a:solidFill>
-              <a:schemeClr val="accent5"/>
+              <a:schemeClr val="accent1"/>
             </a:solidFill>
           </a:ln>
         </p:spPr>
@@ -3247,459 +4138,10 @@
           <a:lstStyle/>
           <a:p>
             <a:pPr algn="ctr"/>
-            <a:endParaRPr lang="en-US"/>
-          </a:p>
-        </p:txBody>
-      </p:sp>
-      <p:pic>
-        <p:nvPicPr>
-          <p:cNvPr id="73" name="Picture 72">
-            <a:extLst>
-              <a:ext uri="{FF2B5EF4-FFF2-40B4-BE49-F238E27FC236}">
-                <a16:creationId xmlns:a16="http://schemas.microsoft.com/office/drawing/2014/main" id="{C59D3B48-FD2F-4E77-AE8B-D30E13D09CE7}"/>
-              </a:ext>
-            </a:extLst>
-          </p:cNvPr>
-          <p:cNvPicPr>
-            <a:picLocks noChangeAspect="1"/>
-          </p:cNvPicPr>
-          <p:nvPr/>
-        </p:nvPicPr>
-        <p:blipFill>
-          <a:blip r:embed="rId3">
-            <a:extLst>
-              <a:ext uri="{28A0092B-C50C-407E-A947-70E740481C1C}">
-                <a14:useLocalDpi xmlns:a14="http://schemas.microsoft.com/office/drawing/2010/main" val="0"/>
-              </a:ext>
-            </a:extLst>
-          </a:blip>
-          <a:stretch>
-            <a:fillRect/>
-          </a:stretch>
-        </p:blipFill>
-        <p:spPr>
-          <a:xfrm>
-            <a:off x="4171121" y="1673087"/>
-            <a:ext cx="3511825" cy="3511825"/>
-          </a:xfrm>
-          <a:prstGeom prst="rect">
-            <a:avLst/>
-          </a:prstGeom>
-        </p:spPr>
-      </p:pic>
-      <p:sp>
-        <p:nvSpPr>
-          <p:cNvPr id="74" name="Oval 73">
-            <a:extLst>
-              <a:ext uri="{FF2B5EF4-FFF2-40B4-BE49-F238E27FC236}">
-                <a16:creationId xmlns:a16="http://schemas.microsoft.com/office/drawing/2014/main" id="{30258579-1619-42C8-9DC4-788DAC974616}"/>
-              </a:ext>
-            </a:extLst>
-          </p:cNvPr>
-          <p:cNvSpPr/>
-          <p:nvPr/>
-        </p:nvSpPr>
-        <p:spPr>
-          <a:xfrm>
-            <a:off x="7388084" y="1934816"/>
-            <a:ext cx="523462" cy="523462"/>
-          </a:xfrm>
-          <a:prstGeom prst="ellipse">
-            <a:avLst/>
-          </a:prstGeom>
-          <a:noFill/>
-          <a:ln w="57150">
-            <a:solidFill>
-              <a:schemeClr val="accent2"/>
-            </a:solidFill>
-          </a:ln>
-        </p:spPr>
-        <p:style>
-          <a:lnRef idx="2">
-            <a:schemeClr val="accent1">
-              <a:shade val="50000"/>
-            </a:schemeClr>
-          </a:lnRef>
-          <a:fillRef idx="1">
-            <a:schemeClr val="accent1"/>
-          </a:fillRef>
-          <a:effectRef idx="0">
-            <a:schemeClr val="accent1"/>
-          </a:effectRef>
-          <a:fontRef idx="minor">
-            <a:schemeClr val="lt1"/>
-          </a:fontRef>
-        </p:style>
-        <p:txBody>
-          <a:bodyPr rtlCol="0" anchor="ctr"/>
-          <a:lstStyle/>
-          <a:p>
-            <a:pPr algn="ctr"/>
-            <a:endParaRPr lang="en-US"/>
-          </a:p>
-        </p:txBody>
-      </p:sp>
-      <p:sp>
-        <p:nvSpPr>
-          <p:cNvPr id="75" name="Oval 74">
-            <a:extLst>
-              <a:ext uri="{FF2B5EF4-FFF2-40B4-BE49-F238E27FC236}">
-                <a16:creationId xmlns:a16="http://schemas.microsoft.com/office/drawing/2014/main" id="{E537C7D4-F6EE-4938-A771-255805293066}"/>
-              </a:ext>
-            </a:extLst>
-          </p:cNvPr>
-          <p:cNvSpPr/>
-          <p:nvPr/>
-        </p:nvSpPr>
-        <p:spPr>
-          <a:xfrm>
-            <a:off x="7388084" y="2720007"/>
-            <a:ext cx="523462" cy="523462"/>
-          </a:xfrm>
-          <a:prstGeom prst="ellipse">
-            <a:avLst/>
-          </a:prstGeom>
-          <a:noFill/>
-          <a:ln w="57150">
-            <a:solidFill>
-              <a:schemeClr val="accent2"/>
-            </a:solidFill>
-          </a:ln>
-        </p:spPr>
-        <p:style>
-          <a:lnRef idx="2">
-            <a:schemeClr val="accent1">
-              <a:shade val="50000"/>
-            </a:schemeClr>
-          </a:lnRef>
-          <a:fillRef idx="1">
-            <a:schemeClr val="accent1"/>
-          </a:fillRef>
-          <a:effectRef idx="0">
-            <a:schemeClr val="accent1"/>
-          </a:effectRef>
-          <a:fontRef idx="minor">
-            <a:schemeClr val="lt1"/>
-          </a:fontRef>
-        </p:style>
-        <p:txBody>
-          <a:bodyPr rtlCol="0" anchor="ctr"/>
-          <a:lstStyle/>
-          <a:p>
-            <a:pPr algn="ctr"/>
-            <a:endParaRPr lang="en-US"/>
-          </a:p>
-        </p:txBody>
-      </p:sp>
-      <p:sp>
-        <p:nvSpPr>
-          <p:cNvPr id="76" name="Oval 75">
-            <a:extLst>
-              <a:ext uri="{FF2B5EF4-FFF2-40B4-BE49-F238E27FC236}">
-                <a16:creationId xmlns:a16="http://schemas.microsoft.com/office/drawing/2014/main" id="{DAB5A2E7-3DAE-4AB6-8FA3-2E568B9A3F02}"/>
-              </a:ext>
-            </a:extLst>
-          </p:cNvPr>
-          <p:cNvSpPr/>
-          <p:nvPr/>
-        </p:nvSpPr>
-        <p:spPr>
-          <a:xfrm>
-            <a:off x="7388084" y="3505198"/>
-            <a:ext cx="523462" cy="523462"/>
-          </a:xfrm>
-          <a:prstGeom prst="ellipse">
-            <a:avLst/>
-          </a:prstGeom>
-          <a:noFill/>
-          <a:ln w="57150">
-            <a:solidFill>
-              <a:schemeClr val="accent5"/>
-            </a:solidFill>
-          </a:ln>
-        </p:spPr>
-        <p:style>
-          <a:lnRef idx="2">
-            <a:schemeClr val="accent1">
-              <a:shade val="50000"/>
-            </a:schemeClr>
-          </a:lnRef>
-          <a:fillRef idx="1">
-            <a:schemeClr val="accent1"/>
-          </a:fillRef>
-          <a:effectRef idx="0">
-            <a:schemeClr val="accent1"/>
-          </a:effectRef>
-          <a:fontRef idx="minor">
-            <a:schemeClr val="lt1"/>
-          </a:fontRef>
-        </p:style>
-        <p:txBody>
-          <a:bodyPr rtlCol="0" anchor="ctr"/>
-          <a:lstStyle/>
-          <a:p>
-            <a:pPr algn="ctr"/>
-            <a:endParaRPr lang="en-US"/>
-          </a:p>
-        </p:txBody>
-      </p:sp>
-      <p:sp>
-        <p:nvSpPr>
-          <p:cNvPr id="77" name="Oval 76">
-            <a:extLst>
-              <a:ext uri="{FF2B5EF4-FFF2-40B4-BE49-F238E27FC236}">
-                <a16:creationId xmlns:a16="http://schemas.microsoft.com/office/drawing/2014/main" id="{A44E0457-46E3-457D-99F8-D969519BB34A}"/>
-              </a:ext>
-            </a:extLst>
-          </p:cNvPr>
-          <p:cNvSpPr/>
-          <p:nvPr/>
-        </p:nvSpPr>
-        <p:spPr>
-          <a:xfrm>
-            <a:off x="7388084" y="4290389"/>
-            <a:ext cx="523462" cy="523462"/>
-          </a:xfrm>
-          <a:prstGeom prst="ellipse">
-            <a:avLst/>
-          </a:prstGeom>
-          <a:noFill/>
-          <a:ln w="57150">
-            <a:solidFill>
-              <a:schemeClr val="accent6"/>
-            </a:solidFill>
-          </a:ln>
-        </p:spPr>
-        <p:style>
-          <a:lnRef idx="2">
-            <a:schemeClr val="accent1">
-              <a:shade val="50000"/>
-            </a:schemeClr>
-          </a:lnRef>
-          <a:fillRef idx="1">
-            <a:schemeClr val="accent1"/>
-          </a:fillRef>
-          <a:effectRef idx="0">
-            <a:schemeClr val="accent1"/>
-          </a:effectRef>
-          <a:fontRef idx="minor">
-            <a:schemeClr val="lt1"/>
-          </a:fontRef>
-        </p:style>
-        <p:txBody>
-          <a:bodyPr rtlCol="0" anchor="ctr"/>
-          <a:lstStyle/>
-          <a:p>
-            <a:pPr algn="ctr"/>
-            <a:endParaRPr lang="en-US"/>
-          </a:p>
-        </p:txBody>
-      </p:sp>
-      <p:sp>
-        <p:nvSpPr>
-          <p:cNvPr id="78" name="Oval 77">
-            <a:extLst>
-              <a:ext uri="{FF2B5EF4-FFF2-40B4-BE49-F238E27FC236}">
-                <a16:creationId xmlns:a16="http://schemas.microsoft.com/office/drawing/2014/main" id="{50386507-6196-4EE4-A977-164977BB4508}"/>
-              </a:ext>
-            </a:extLst>
-          </p:cNvPr>
-          <p:cNvSpPr/>
-          <p:nvPr/>
-        </p:nvSpPr>
-        <p:spPr>
-          <a:xfrm>
-            <a:off x="11449876" y="1934816"/>
-            <a:ext cx="523462" cy="523462"/>
-          </a:xfrm>
-          <a:prstGeom prst="ellipse">
-            <a:avLst/>
-          </a:prstGeom>
-          <a:noFill/>
-          <a:ln w="57150">
-            <a:solidFill>
-              <a:schemeClr val="accent5"/>
-            </a:solidFill>
-          </a:ln>
-        </p:spPr>
-        <p:style>
-          <a:lnRef idx="2">
-            <a:schemeClr val="accent1">
-              <a:shade val="50000"/>
-            </a:schemeClr>
-          </a:lnRef>
-          <a:fillRef idx="1">
-            <a:schemeClr val="accent1"/>
-          </a:fillRef>
-          <a:effectRef idx="0">
-            <a:schemeClr val="accent1"/>
-          </a:effectRef>
-          <a:fontRef idx="minor">
-            <a:schemeClr val="lt1"/>
-          </a:fontRef>
-        </p:style>
-        <p:txBody>
-          <a:bodyPr rtlCol="0" anchor="ctr"/>
-          <a:lstStyle/>
-          <a:p>
-            <a:pPr algn="ctr"/>
-            <a:endParaRPr lang="en-US"/>
-          </a:p>
-        </p:txBody>
-      </p:sp>
-      <p:sp>
-        <p:nvSpPr>
-          <p:cNvPr id="79" name="Oval 78">
-            <a:extLst>
-              <a:ext uri="{FF2B5EF4-FFF2-40B4-BE49-F238E27FC236}">
-                <a16:creationId xmlns:a16="http://schemas.microsoft.com/office/drawing/2014/main" id="{BFAC0B36-BAB1-4191-94BD-C73254B91168}"/>
-              </a:ext>
-            </a:extLst>
-          </p:cNvPr>
-          <p:cNvSpPr/>
-          <p:nvPr/>
-        </p:nvSpPr>
-        <p:spPr>
-          <a:xfrm>
-            <a:off x="11449876" y="2720007"/>
-            <a:ext cx="523462" cy="523462"/>
-          </a:xfrm>
-          <a:prstGeom prst="ellipse">
-            <a:avLst/>
-          </a:prstGeom>
-          <a:noFill/>
-          <a:ln w="57150">
-            <a:solidFill>
-              <a:schemeClr val="accent2"/>
-            </a:solidFill>
-          </a:ln>
-        </p:spPr>
-        <p:style>
-          <a:lnRef idx="2">
-            <a:schemeClr val="accent1">
-              <a:shade val="50000"/>
-            </a:schemeClr>
-          </a:lnRef>
-          <a:fillRef idx="1">
-            <a:schemeClr val="accent1"/>
-          </a:fillRef>
-          <a:effectRef idx="0">
-            <a:schemeClr val="accent1"/>
-          </a:effectRef>
-          <a:fontRef idx="minor">
-            <a:schemeClr val="lt1"/>
-          </a:fontRef>
-        </p:style>
-        <p:txBody>
-          <a:bodyPr rtlCol="0" anchor="ctr"/>
-          <a:lstStyle/>
-          <a:p>
-            <a:pPr algn="ctr"/>
-            <a:endParaRPr lang="en-US"/>
-          </a:p>
-        </p:txBody>
-      </p:sp>
-      <p:sp>
-        <p:nvSpPr>
-          <p:cNvPr id="80" name="Oval 79">
-            <a:extLst>
-              <a:ext uri="{FF2B5EF4-FFF2-40B4-BE49-F238E27FC236}">
-                <a16:creationId xmlns:a16="http://schemas.microsoft.com/office/drawing/2014/main" id="{0891D040-DC80-458C-9495-CFBDE0745213}"/>
-              </a:ext>
-            </a:extLst>
-          </p:cNvPr>
-          <p:cNvSpPr/>
-          <p:nvPr/>
-        </p:nvSpPr>
-        <p:spPr>
-          <a:xfrm>
-            <a:off x="11449876" y="3505198"/>
-            <a:ext cx="523462" cy="523462"/>
-          </a:xfrm>
-          <a:prstGeom prst="ellipse">
-            <a:avLst/>
-          </a:prstGeom>
-          <a:noFill/>
-          <a:ln w="57150">
-            <a:solidFill>
-              <a:schemeClr val="accent6"/>
-            </a:solidFill>
-          </a:ln>
-        </p:spPr>
-        <p:style>
-          <a:lnRef idx="2">
-            <a:schemeClr val="accent1">
-              <a:shade val="50000"/>
-            </a:schemeClr>
-          </a:lnRef>
-          <a:fillRef idx="1">
-            <a:schemeClr val="accent1"/>
-          </a:fillRef>
-          <a:effectRef idx="0">
-            <a:schemeClr val="accent1"/>
-          </a:effectRef>
-          <a:fontRef idx="minor">
-            <a:schemeClr val="lt1"/>
-          </a:fontRef>
-        </p:style>
-        <p:txBody>
-          <a:bodyPr rtlCol="0" anchor="ctr"/>
-          <a:lstStyle/>
-          <a:p>
-            <a:pPr algn="ctr"/>
-            <a:endParaRPr lang="en-US"/>
-          </a:p>
-        </p:txBody>
-      </p:sp>
-      <p:sp>
-        <p:nvSpPr>
-          <p:cNvPr id="81" name="Oval 80">
-            <a:extLst>
-              <a:ext uri="{FF2B5EF4-FFF2-40B4-BE49-F238E27FC236}">
-                <a16:creationId xmlns:a16="http://schemas.microsoft.com/office/drawing/2014/main" id="{4668F1A3-7E97-4202-A47B-018D2A2A390B}"/>
-              </a:ext>
-            </a:extLst>
-          </p:cNvPr>
-          <p:cNvSpPr/>
-          <p:nvPr/>
-        </p:nvSpPr>
-        <p:spPr>
-          <a:xfrm>
-            <a:off x="11449876" y="4290389"/>
-            <a:ext cx="523462" cy="523462"/>
-          </a:xfrm>
-          <a:prstGeom prst="ellipse">
-            <a:avLst/>
-          </a:prstGeom>
-          <a:noFill/>
-          <a:ln w="57150">
-            <a:solidFill>
-              <a:schemeClr val="accent2"/>
-            </a:solidFill>
-          </a:ln>
-        </p:spPr>
-        <p:style>
-          <a:lnRef idx="2">
-            <a:schemeClr val="accent1">
-              <a:shade val="50000"/>
-            </a:schemeClr>
-          </a:lnRef>
-          <a:fillRef idx="1">
-            <a:schemeClr val="accent1"/>
-          </a:fillRef>
-          <a:effectRef idx="0">
-            <a:schemeClr val="accent1"/>
-          </a:effectRef>
-          <a:fontRef idx="minor">
-            <a:schemeClr val="lt1"/>
-          </a:fontRef>
-        </p:style>
-        <p:txBody>
-          <a:bodyPr rtlCol="0" anchor="ctr"/>
-          <a:lstStyle/>
-          <a:p>
-            <a:pPr algn="ctr"/>
-            <a:endParaRPr lang="en-US"/>
+            <a:endParaRPr lang="en-US">
+              <a:latin typeface="Arial" panose="020B0604020202020204" pitchFamily="34" charset="0"/>
+              <a:cs typeface="Arial" panose="020B0604020202020204" pitchFamily="34" charset="0"/>
+            </a:endParaRPr>
           </a:p>
         </p:txBody>
       </p:sp>
@@ -3717,8 +4159,8 @@
         </p:nvSpPr>
         <p:spPr>
           <a:xfrm>
-            <a:off x="3404975" y="1965714"/>
-            <a:ext cx="319711" cy="461665"/>
+            <a:off x="3405850" y="1987389"/>
+            <a:ext cx="319711" cy="400110"/>
           </a:xfrm>
           <a:prstGeom prst="rect">
             <a:avLst/>
@@ -3733,7 +4175,10 @@
           <a:p>
             <a:pPr algn="ctr"/>
             <a:r>
-              <a:rPr lang="en-US" sz="2400" b="1" dirty="0"/>
+              <a:rPr lang="en-US" sz="2000" dirty="0">
+                <a:latin typeface="Arial" panose="020B0604020202020204" pitchFamily="34" charset="0"/>
+                <a:cs typeface="Arial" panose="020B0604020202020204" pitchFamily="34" charset="0"/>
+              </a:rPr>
               <a:t>D</a:t>
             </a:r>
           </a:p>
@@ -3753,8 +4198,8 @@
         </p:nvSpPr>
         <p:spPr>
           <a:xfrm>
-            <a:off x="3404975" y="2750905"/>
-            <a:ext cx="319711" cy="461665"/>
+            <a:off x="3405850" y="2772580"/>
+            <a:ext cx="319711" cy="400110"/>
           </a:xfrm>
           <a:prstGeom prst="rect">
             <a:avLst/>
@@ -3769,7 +4214,10 @@
           <a:p>
             <a:pPr algn="ctr"/>
             <a:r>
-              <a:rPr lang="en-US" sz="2400" b="1" dirty="0"/>
+              <a:rPr lang="en-US" sz="2000" dirty="0">
+                <a:latin typeface="Arial" panose="020B0604020202020204" pitchFamily="34" charset="0"/>
+                <a:cs typeface="Arial" panose="020B0604020202020204" pitchFamily="34" charset="0"/>
+              </a:rPr>
               <a:t>A</a:t>
             </a:r>
           </a:p>
@@ -3789,8 +4237,8 @@
         </p:nvSpPr>
         <p:spPr>
           <a:xfrm>
-            <a:off x="3405801" y="3536096"/>
-            <a:ext cx="319711" cy="461665"/>
+            <a:off x="3406676" y="3557771"/>
+            <a:ext cx="319711" cy="400110"/>
           </a:xfrm>
           <a:prstGeom prst="rect">
             <a:avLst/>
@@ -3805,7 +4253,10 @@
           <a:p>
             <a:pPr algn="ctr"/>
             <a:r>
-              <a:rPr lang="en-US" sz="2400" b="1" dirty="0"/>
+              <a:rPr lang="en-US" sz="2000" dirty="0">
+                <a:latin typeface="Arial" panose="020B0604020202020204" pitchFamily="34" charset="0"/>
+                <a:cs typeface="Arial" panose="020B0604020202020204" pitchFamily="34" charset="0"/>
+              </a:rPr>
               <a:t>B</a:t>
             </a:r>
           </a:p>
@@ -3825,8 +4276,8 @@
         </p:nvSpPr>
         <p:spPr>
           <a:xfrm>
-            <a:off x="3404975" y="4321287"/>
-            <a:ext cx="319711" cy="461665"/>
+            <a:off x="3405850" y="4342962"/>
+            <a:ext cx="319711" cy="400110"/>
           </a:xfrm>
           <a:prstGeom prst="rect">
             <a:avLst/>
@@ -3841,151 +4292,10 @@
           <a:p>
             <a:pPr algn="ctr"/>
             <a:r>
-              <a:rPr lang="en-US" sz="2400" b="1" dirty="0"/>
-              <a:t>C</a:t>
-            </a:r>
-          </a:p>
-        </p:txBody>
-      </p:sp>
-      <p:sp>
-        <p:nvSpPr>
-          <p:cNvPr id="90" name="TextBox 89">
-            <a:extLst>
-              <a:ext uri="{FF2B5EF4-FFF2-40B4-BE49-F238E27FC236}">
-                <a16:creationId xmlns:a16="http://schemas.microsoft.com/office/drawing/2014/main" id="{8D9F7959-757E-45FF-915E-AFE4A6AC4CEB}"/>
-              </a:ext>
-            </a:extLst>
-          </p:cNvPr>
-          <p:cNvSpPr txBox="1"/>
-          <p:nvPr/>
-        </p:nvSpPr>
-        <p:spPr>
-          <a:xfrm>
-            <a:off x="7496590" y="1965714"/>
-            <a:ext cx="319711" cy="461665"/>
-          </a:xfrm>
-          <a:prstGeom prst="rect">
-            <a:avLst/>
-          </a:prstGeom>
-          <a:noFill/>
-        </p:spPr>
-        <p:txBody>
-          <a:bodyPr wrap="square" rtlCol="0">
-            <a:spAutoFit/>
-          </a:bodyPr>
-          <a:lstStyle/>
-          <a:p>
-            <a:pPr algn="ctr"/>
-            <a:r>
-              <a:rPr lang="en-US" sz="2400" b="1" dirty="0"/>
-              <a:t>D</a:t>
-            </a:r>
-          </a:p>
-        </p:txBody>
-      </p:sp>
-      <p:sp>
-        <p:nvSpPr>
-          <p:cNvPr id="91" name="TextBox 90">
-            <a:extLst>
-              <a:ext uri="{FF2B5EF4-FFF2-40B4-BE49-F238E27FC236}">
-                <a16:creationId xmlns:a16="http://schemas.microsoft.com/office/drawing/2014/main" id="{E0440264-955A-4792-B5B9-F090B2F53C1E}"/>
-              </a:ext>
-            </a:extLst>
-          </p:cNvPr>
-          <p:cNvSpPr txBox="1"/>
-          <p:nvPr/>
-        </p:nvSpPr>
-        <p:spPr>
-          <a:xfrm>
-            <a:off x="7496590" y="2750905"/>
-            <a:ext cx="319711" cy="461665"/>
-          </a:xfrm>
-          <a:prstGeom prst="rect">
-            <a:avLst/>
-          </a:prstGeom>
-          <a:noFill/>
-        </p:spPr>
-        <p:txBody>
-          <a:bodyPr wrap="square" rtlCol="0">
-            <a:spAutoFit/>
-          </a:bodyPr>
-          <a:lstStyle/>
-          <a:p>
-            <a:pPr algn="ctr"/>
-            <a:r>
-              <a:rPr lang="en-US" sz="2400" b="1" dirty="0"/>
-              <a:t>A</a:t>
-            </a:r>
-          </a:p>
-        </p:txBody>
-      </p:sp>
-      <p:sp>
-        <p:nvSpPr>
-          <p:cNvPr id="92" name="TextBox 91">
-            <a:extLst>
-              <a:ext uri="{FF2B5EF4-FFF2-40B4-BE49-F238E27FC236}">
-                <a16:creationId xmlns:a16="http://schemas.microsoft.com/office/drawing/2014/main" id="{2744AD85-862F-416E-A32A-68F94E9274B5}"/>
-              </a:ext>
-            </a:extLst>
-          </p:cNvPr>
-          <p:cNvSpPr txBox="1"/>
-          <p:nvPr/>
-        </p:nvSpPr>
-        <p:spPr>
-          <a:xfrm>
-            <a:off x="7497416" y="3536096"/>
-            <a:ext cx="319711" cy="461665"/>
-          </a:xfrm>
-          <a:prstGeom prst="rect">
-            <a:avLst/>
-          </a:prstGeom>
-          <a:noFill/>
-        </p:spPr>
-        <p:txBody>
-          <a:bodyPr wrap="square" rtlCol="0">
-            <a:spAutoFit/>
-          </a:bodyPr>
-          <a:lstStyle/>
-          <a:p>
-            <a:pPr algn="ctr"/>
-            <a:r>
-              <a:rPr lang="en-US" sz="2400" b="1" dirty="0"/>
-              <a:t>B</a:t>
-            </a:r>
-          </a:p>
-        </p:txBody>
-      </p:sp>
-      <p:sp>
-        <p:nvSpPr>
-          <p:cNvPr id="93" name="TextBox 92">
-            <a:extLst>
-              <a:ext uri="{FF2B5EF4-FFF2-40B4-BE49-F238E27FC236}">
-                <a16:creationId xmlns:a16="http://schemas.microsoft.com/office/drawing/2014/main" id="{A3D69032-E7C2-49A4-9984-C933AF0F0C64}"/>
-              </a:ext>
-            </a:extLst>
-          </p:cNvPr>
-          <p:cNvSpPr txBox="1"/>
-          <p:nvPr/>
-        </p:nvSpPr>
-        <p:spPr>
-          <a:xfrm>
-            <a:off x="7496590" y="4321287"/>
-            <a:ext cx="319711" cy="461665"/>
-          </a:xfrm>
-          <a:prstGeom prst="rect">
-            <a:avLst/>
-          </a:prstGeom>
-          <a:noFill/>
-        </p:spPr>
-        <p:txBody>
-          <a:bodyPr wrap="square" rtlCol="0">
-            <a:spAutoFit/>
-          </a:bodyPr>
-          <a:lstStyle/>
-          <a:p>
-            <a:pPr algn="ctr"/>
-            <a:r>
-              <a:rPr lang="en-US" sz="2400" b="1" dirty="0"/>
+              <a:rPr lang="en-US" sz="2000" dirty="0">
+                <a:latin typeface="Arial" panose="020B0604020202020204" pitchFamily="34" charset="0"/>
+                <a:cs typeface="Arial" panose="020B0604020202020204" pitchFamily="34" charset="0"/>
+              </a:rPr>
               <a:t>C</a:t>
             </a:r>
           </a:p>
@@ -4005,8 +4315,8 @@
         </p:nvSpPr>
         <p:spPr>
           <a:xfrm>
-            <a:off x="11550510" y="1965714"/>
-            <a:ext cx="319711" cy="461665"/>
+            <a:off x="11551385" y="1987389"/>
+            <a:ext cx="319711" cy="400110"/>
           </a:xfrm>
           <a:prstGeom prst="rect">
             <a:avLst/>
@@ -4021,7 +4331,10 @@
           <a:p>
             <a:pPr algn="ctr"/>
             <a:r>
-              <a:rPr lang="en-US" sz="2400" b="1" dirty="0"/>
+              <a:rPr lang="en-US" sz="2000" dirty="0">
+                <a:latin typeface="Arial" panose="020B0604020202020204" pitchFamily="34" charset="0"/>
+                <a:cs typeface="Arial" panose="020B0604020202020204" pitchFamily="34" charset="0"/>
+              </a:rPr>
               <a:t>B</a:t>
             </a:r>
           </a:p>
@@ -4041,8 +4354,8 @@
         </p:nvSpPr>
         <p:spPr>
           <a:xfrm>
-            <a:off x="11550510" y="2750905"/>
-            <a:ext cx="319711" cy="461665"/>
+            <a:off x="11551385" y="2772580"/>
+            <a:ext cx="319711" cy="400110"/>
           </a:xfrm>
           <a:prstGeom prst="rect">
             <a:avLst/>
@@ -4057,7 +4370,10 @@
           <a:p>
             <a:pPr algn="ctr"/>
             <a:r>
-              <a:rPr lang="en-US" sz="2400" b="1" dirty="0"/>
+              <a:rPr lang="en-US" sz="2000" dirty="0">
+                <a:latin typeface="Arial" panose="020B0604020202020204" pitchFamily="34" charset="0"/>
+                <a:cs typeface="Arial" panose="020B0604020202020204" pitchFamily="34" charset="0"/>
+              </a:rPr>
               <a:t>A</a:t>
             </a:r>
           </a:p>
@@ -4077,8 +4393,8 @@
         </p:nvSpPr>
         <p:spPr>
           <a:xfrm>
-            <a:off x="11551336" y="3536096"/>
-            <a:ext cx="319711" cy="461665"/>
+            <a:off x="11552211" y="3557771"/>
+            <a:ext cx="319711" cy="400110"/>
           </a:xfrm>
           <a:prstGeom prst="rect">
             <a:avLst/>
@@ -4093,7 +4409,10 @@
           <a:p>
             <a:pPr algn="ctr"/>
             <a:r>
-              <a:rPr lang="en-US" sz="2400" b="1" dirty="0"/>
+              <a:rPr lang="en-US" sz="2000" dirty="0">
+                <a:latin typeface="Arial" panose="020B0604020202020204" pitchFamily="34" charset="0"/>
+                <a:cs typeface="Arial" panose="020B0604020202020204" pitchFamily="34" charset="0"/>
+              </a:rPr>
               <a:t>C</a:t>
             </a:r>
           </a:p>
@@ -4113,8 +4432,8 @@
         </p:nvSpPr>
         <p:spPr>
           <a:xfrm>
-            <a:off x="11550510" y="4321287"/>
-            <a:ext cx="319711" cy="461665"/>
+            <a:off x="11551385" y="4342962"/>
+            <a:ext cx="319711" cy="400110"/>
           </a:xfrm>
           <a:prstGeom prst="rect">
             <a:avLst/>
@@ -4129,7 +4448,10 @@
           <a:p>
             <a:pPr algn="ctr"/>
             <a:r>
-              <a:rPr lang="en-US" sz="2400" b="1" dirty="0"/>
+              <a:rPr lang="en-US" sz="2000" dirty="0">
+                <a:latin typeface="Arial" panose="020B0604020202020204" pitchFamily="34" charset="0"/>
+                <a:cs typeface="Arial" panose="020B0604020202020204" pitchFamily="34" charset="0"/>
+              </a:rPr>
               <a:t>D</a:t>
             </a:r>
           </a:p>
@@ -4149,7 +4471,7 @@
         </p:nvSpPr>
         <p:spPr>
           <a:xfrm>
-            <a:off x="86138" y="1673086"/>
+            <a:off x="27884" y="1434550"/>
             <a:ext cx="347048" cy="461665"/>
           </a:xfrm>
           <a:prstGeom prst="rect">
@@ -4165,12 +4487,11 @@
           <a:p>
             <a:pPr algn="ctr"/>
             <a:r>
-              <a:rPr lang="en-US" sz="2400" b="1" dirty="0" err="1"/>
-              <a:t>i</a:t>
-            </a:r>
-            <a:r>
-              <a:rPr lang="en-US" sz="2400" b="1" dirty="0"/>
-              <a:t>.</a:t>
+              <a:rPr lang="en-US" sz="2400" b="1" dirty="0">
+                <a:latin typeface="Arial" panose="020B0604020202020204" pitchFamily="34" charset="0"/>
+                <a:cs typeface="Arial" panose="020B0604020202020204" pitchFamily="34" charset="0"/>
+              </a:rPr>
+              <a:t>A</a:t>
             </a:r>
           </a:p>
         </p:txBody>
@@ -4189,7 +4510,7 @@
         </p:nvSpPr>
         <p:spPr>
           <a:xfrm>
-            <a:off x="4171121" y="1673085"/>
+            <a:off x="4112867" y="1434549"/>
             <a:ext cx="422006" cy="461665"/>
           </a:xfrm>
           <a:prstGeom prst="rect">
@@ -4205,8 +4526,11 @@
           <a:p>
             <a:pPr algn="ctr"/>
             <a:r>
-              <a:rPr lang="en-US" sz="2400" b="1" dirty="0"/>
-              <a:t>ii.</a:t>
+              <a:rPr lang="en-US" sz="2400" b="1" dirty="0">
+                <a:latin typeface="Arial" panose="020B0604020202020204" pitchFamily="34" charset="0"/>
+                <a:cs typeface="Arial" panose="020B0604020202020204" pitchFamily="34" charset="0"/>
+              </a:rPr>
+              <a:t>B</a:t>
             </a:r>
           </a:p>
         </p:txBody>
@@ -4225,7 +4549,7 @@
         </p:nvSpPr>
         <p:spPr>
           <a:xfrm>
-            <a:off x="8256103" y="1673085"/>
+            <a:off x="8197849" y="1434549"/>
             <a:ext cx="523461" cy="461665"/>
           </a:xfrm>
           <a:prstGeom prst="rect">
@@ -4241,8 +4565,11 @@
           <a:p>
             <a:pPr algn="ctr"/>
             <a:r>
-              <a:rPr lang="en-US" sz="2400" b="1" dirty="0"/>
-              <a:t>iii.</a:t>
+              <a:rPr lang="en-US" sz="2400" b="1" dirty="0">
+                <a:latin typeface="Arial" panose="020B0604020202020204" pitchFamily="34" charset="0"/>
+                <a:cs typeface="Arial" panose="020B0604020202020204" pitchFamily="34" charset="0"/>
+              </a:rPr>
+              <a:t>C</a:t>
             </a:r>
           </a:p>
         </p:txBody>
@@ -4419,6 +4746,428 @@
           </a:fontRef>
         </p:style>
       </p:cxnSp>
+      <p:sp>
+        <p:nvSpPr>
+          <p:cNvPr id="44" name="Oval 43">
+            <a:extLst>
+              <a:ext uri="{FF2B5EF4-FFF2-40B4-BE49-F238E27FC236}">
+                <a16:creationId xmlns:a16="http://schemas.microsoft.com/office/drawing/2014/main" id="{46E42236-B6F4-4FE8-BC57-512452921125}"/>
+              </a:ext>
+            </a:extLst>
+          </p:cNvPr>
+          <p:cNvSpPr/>
+          <p:nvPr/>
+        </p:nvSpPr>
+        <p:spPr>
+          <a:xfrm>
+            <a:off x="605851" y="3368674"/>
+            <a:ext cx="66675" cy="66675"/>
+          </a:xfrm>
+          <a:prstGeom prst="ellipse">
+            <a:avLst/>
+          </a:prstGeom>
+          <a:solidFill>
+            <a:schemeClr val="tx1"/>
+          </a:solidFill>
+          <a:ln>
+            <a:solidFill>
+              <a:schemeClr val="tx1"/>
+            </a:solidFill>
+          </a:ln>
+        </p:spPr>
+        <p:style>
+          <a:lnRef idx="2">
+            <a:schemeClr val="accent1">
+              <a:shade val="50000"/>
+            </a:schemeClr>
+          </a:lnRef>
+          <a:fillRef idx="1">
+            <a:schemeClr val="accent1"/>
+          </a:fillRef>
+          <a:effectRef idx="0">
+            <a:schemeClr val="accent1"/>
+          </a:effectRef>
+          <a:fontRef idx="minor">
+            <a:schemeClr val="lt1"/>
+          </a:fontRef>
+        </p:style>
+        <p:txBody>
+          <a:bodyPr rtlCol="0" anchor="ctr"/>
+          <a:lstStyle/>
+          <a:p>
+            <a:pPr algn="ctr"/>
+            <a:endParaRPr lang="en-US"/>
+          </a:p>
+        </p:txBody>
+      </p:sp>
+      <p:cxnSp>
+        <p:nvCxnSpPr>
+          <p:cNvPr id="168" name="Straight Connector 167">
+            <a:extLst>
+              <a:ext uri="{FF2B5EF4-FFF2-40B4-BE49-F238E27FC236}">
+                <a16:creationId xmlns:a16="http://schemas.microsoft.com/office/drawing/2014/main" id="{7BF5C97F-104B-40F1-811F-6C24362A5EFC}"/>
+              </a:ext>
+            </a:extLst>
+          </p:cNvPr>
+          <p:cNvCxnSpPr>
+            <a:cxnSpLocks/>
+            <a:endCxn id="81" idx="2"/>
+          </p:cNvCxnSpPr>
+          <p:nvPr/>
+        </p:nvCxnSpPr>
+        <p:spPr>
+          <a:xfrm>
+            <a:off x="10506233" y="3982475"/>
+            <a:ext cx="943643" cy="569645"/>
+          </a:xfrm>
+          <a:prstGeom prst="line">
+            <a:avLst/>
+          </a:prstGeom>
+          <a:ln w="57150">
+            <a:solidFill>
+              <a:schemeClr val="tx1"/>
+            </a:solidFill>
+          </a:ln>
+        </p:spPr>
+        <p:style>
+          <a:lnRef idx="1">
+            <a:schemeClr val="accent1"/>
+          </a:lnRef>
+          <a:fillRef idx="0">
+            <a:schemeClr val="accent1"/>
+          </a:fillRef>
+          <a:effectRef idx="0">
+            <a:schemeClr val="accent1"/>
+          </a:effectRef>
+          <a:fontRef idx="minor">
+            <a:schemeClr val="tx1"/>
+          </a:fontRef>
+        </p:style>
+      </p:cxnSp>
+      <p:cxnSp>
+        <p:nvCxnSpPr>
+          <p:cNvPr id="169" name="Straight Connector 168">
+            <a:extLst>
+              <a:ext uri="{FF2B5EF4-FFF2-40B4-BE49-F238E27FC236}">
+                <a16:creationId xmlns:a16="http://schemas.microsoft.com/office/drawing/2014/main" id="{32EE6E9E-9A94-4B54-8222-3DB0645DA77F}"/>
+              </a:ext>
+            </a:extLst>
+          </p:cNvPr>
+          <p:cNvCxnSpPr>
+            <a:cxnSpLocks/>
+          </p:cNvCxnSpPr>
+          <p:nvPr/>
+        </p:nvCxnSpPr>
+        <p:spPr>
+          <a:xfrm flipH="1">
+            <a:off x="8779567" y="2192931"/>
+            <a:ext cx="2676850" cy="878169"/>
+          </a:xfrm>
+          <a:prstGeom prst="line">
+            <a:avLst/>
+          </a:prstGeom>
+          <a:ln w="57150">
+            <a:solidFill>
+              <a:schemeClr val="tx1"/>
+            </a:solidFill>
+          </a:ln>
+        </p:spPr>
+        <p:style>
+          <a:lnRef idx="1">
+            <a:schemeClr val="accent1"/>
+          </a:lnRef>
+          <a:fillRef idx="0">
+            <a:schemeClr val="accent1"/>
+          </a:fillRef>
+          <a:effectRef idx="0">
+            <a:schemeClr val="accent1"/>
+          </a:effectRef>
+          <a:fontRef idx="minor">
+            <a:schemeClr val="tx1"/>
+          </a:fontRef>
+        </p:style>
+      </p:cxnSp>
+      <p:cxnSp>
+        <p:nvCxnSpPr>
+          <p:cNvPr id="170" name="Straight Connector 169">
+            <a:extLst>
+              <a:ext uri="{FF2B5EF4-FFF2-40B4-BE49-F238E27FC236}">
+                <a16:creationId xmlns:a16="http://schemas.microsoft.com/office/drawing/2014/main" id="{501C7BAD-ECAE-48F4-B323-9CB8F625E706}"/>
+              </a:ext>
+            </a:extLst>
+          </p:cNvPr>
+          <p:cNvCxnSpPr>
+            <a:cxnSpLocks/>
+          </p:cNvCxnSpPr>
+          <p:nvPr/>
+        </p:nvCxnSpPr>
+        <p:spPr>
+          <a:xfrm flipH="1">
+            <a:off x="10886739" y="2978122"/>
+            <a:ext cx="569678" cy="405916"/>
+          </a:xfrm>
+          <a:prstGeom prst="line">
+            <a:avLst/>
+          </a:prstGeom>
+          <a:ln w="57150">
+            <a:solidFill>
+              <a:schemeClr val="tx1"/>
+            </a:solidFill>
+          </a:ln>
+        </p:spPr>
+        <p:style>
+          <a:lnRef idx="1">
+            <a:schemeClr val="accent1"/>
+          </a:lnRef>
+          <a:fillRef idx="0">
+            <a:schemeClr val="accent1"/>
+          </a:fillRef>
+          <a:effectRef idx="0">
+            <a:schemeClr val="accent1"/>
+          </a:effectRef>
+          <a:fontRef idx="minor">
+            <a:schemeClr val="tx1"/>
+          </a:fontRef>
+        </p:style>
+      </p:cxnSp>
+      <p:cxnSp>
+        <p:nvCxnSpPr>
+          <p:cNvPr id="171" name="Straight Connector 170">
+            <a:extLst>
+              <a:ext uri="{FF2B5EF4-FFF2-40B4-BE49-F238E27FC236}">
+                <a16:creationId xmlns:a16="http://schemas.microsoft.com/office/drawing/2014/main" id="{3C4109E8-F5F4-46B5-9EFB-C8E1232C11C8}"/>
+              </a:ext>
+            </a:extLst>
+          </p:cNvPr>
+          <p:cNvCxnSpPr>
+            <a:cxnSpLocks/>
+          </p:cNvCxnSpPr>
+          <p:nvPr/>
+        </p:nvCxnSpPr>
+        <p:spPr>
+          <a:xfrm flipH="1">
+            <a:off x="8796243" y="2584462"/>
+            <a:ext cx="1460860" cy="486638"/>
+          </a:xfrm>
+          <a:prstGeom prst="line">
+            <a:avLst/>
+          </a:prstGeom>
+          <a:ln w="57150">
+            <a:solidFill>
+              <a:schemeClr val="tx1"/>
+            </a:solidFill>
+          </a:ln>
+        </p:spPr>
+        <p:style>
+          <a:lnRef idx="1">
+            <a:schemeClr val="accent1"/>
+          </a:lnRef>
+          <a:fillRef idx="0">
+            <a:schemeClr val="accent1"/>
+          </a:fillRef>
+          <a:effectRef idx="0">
+            <a:schemeClr val="accent1"/>
+          </a:effectRef>
+          <a:fontRef idx="minor">
+            <a:schemeClr val="tx1"/>
+          </a:fontRef>
+        </p:style>
+      </p:cxnSp>
+      <p:cxnSp>
+        <p:nvCxnSpPr>
+          <p:cNvPr id="172" name="Straight Connector 171">
+            <a:extLst>
+              <a:ext uri="{FF2B5EF4-FFF2-40B4-BE49-F238E27FC236}">
+                <a16:creationId xmlns:a16="http://schemas.microsoft.com/office/drawing/2014/main" id="{0A0D8B2F-0C3E-4B00-8F2F-47EC5AB3F33C}"/>
+              </a:ext>
+            </a:extLst>
+          </p:cNvPr>
+          <p:cNvCxnSpPr>
+            <a:cxnSpLocks/>
+          </p:cNvCxnSpPr>
+          <p:nvPr/>
+        </p:nvCxnSpPr>
+        <p:spPr>
+          <a:xfrm flipH="1" flipV="1">
+            <a:off x="8764688" y="3071100"/>
+            <a:ext cx="1744815" cy="911375"/>
+          </a:xfrm>
+          <a:prstGeom prst="line">
+            <a:avLst/>
+          </a:prstGeom>
+          <a:ln w="57150">
+            <a:solidFill>
+              <a:schemeClr val="tx1"/>
+            </a:solidFill>
+          </a:ln>
+        </p:spPr>
+        <p:style>
+          <a:lnRef idx="1">
+            <a:schemeClr val="accent1"/>
+          </a:lnRef>
+          <a:fillRef idx="0">
+            <a:schemeClr val="accent1"/>
+          </a:fillRef>
+          <a:effectRef idx="0">
+            <a:schemeClr val="accent1"/>
+          </a:effectRef>
+          <a:fontRef idx="minor">
+            <a:schemeClr val="tx1"/>
+          </a:fontRef>
+        </p:style>
+      </p:cxnSp>
+      <p:cxnSp>
+        <p:nvCxnSpPr>
+          <p:cNvPr id="173" name="Straight Connector 172">
+            <a:extLst>
+              <a:ext uri="{FF2B5EF4-FFF2-40B4-BE49-F238E27FC236}">
+                <a16:creationId xmlns:a16="http://schemas.microsoft.com/office/drawing/2014/main" id="{ABA684E9-C8E9-4BC1-8D38-E6C7218AED36}"/>
+              </a:ext>
+            </a:extLst>
+          </p:cNvPr>
+          <p:cNvCxnSpPr>
+            <a:cxnSpLocks/>
+          </p:cNvCxnSpPr>
+          <p:nvPr/>
+        </p:nvCxnSpPr>
+        <p:spPr>
+          <a:xfrm>
+            <a:off x="10907697" y="3364629"/>
+            <a:ext cx="548720" cy="398684"/>
+          </a:xfrm>
+          <a:prstGeom prst="line">
+            <a:avLst/>
+          </a:prstGeom>
+          <a:ln w="57150">
+            <a:solidFill>
+              <a:schemeClr val="tx1"/>
+            </a:solidFill>
+          </a:ln>
+        </p:spPr>
+        <p:style>
+          <a:lnRef idx="1">
+            <a:schemeClr val="accent1"/>
+          </a:lnRef>
+          <a:fillRef idx="0">
+            <a:schemeClr val="accent1"/>
+          </a:fillRef>
+          <a:effectRef idx="0">
+            <a:schemeClr val="accent1"/>
+          </a:effectRef>
+          <a:fontRef idx="minor">
+            <a:schemeClr val="tx1"/>
+          </a:fontRef>
+        </p:style>
+      </p:cxnSp>
+      <p:sp>
+        <p:nvSpPr>
+          <p:cNvPr id="182" name="Oval 181">
+            <a:extLst>
+              <a:ext uri="{FF2B5EF4-FFF2-40B4-BE49-F238E27FC236}">
+                <a16:creationId xmlns:a16="http://schemas.microsoft.com/office/drawing/2014/main" id="{E028269B-68BB-4642-BF16-62BFC0BB4578}"/>
+              </a:ext>
+            </a:extLst>
+          </p:cNvPr>
+          <p:cNvSpPr/>
+          <p:nvPr/>
+        </p:nvSpPr>
+        <p:spPr>
+          <a:xfrm>
+            <a:off x="8758356" y="3042311"/>
+            <a:ext cx="66675" cy="66675"/>
+          </a:xfrm>
+          <a:prstGeom prst="ellipse">
+            <a:avLst/>
+          </a:prstGeom>
+          <a:solidFill>
+            <a:schemeClr val="tx1"/>
+          </a:solidFill>
+          <a:ln>
+            <a:solidFill>
+              <a:schemeClr val="tx1"/>
+            </a:solidFill>
+          </a:ln>
+        </p:spPr>
+        <p:style>
+          <a:lnRef idx="2">
+            <a:schemeClr val="accent1">
+              <a:shade val="50000"/>
+            </a:schemeClr>
+          </a:lnRef>
+          <a:fillRef idx="1">
+            <a:schemeClr val="accent1"/>
+          </a:fillRef>
+          <a:effectRef idx="0">
+            <a:schemeClr val="accent1"/>
+          </a:effectRef>
+          <a:fontRef idx="minor">
+            <a:schemeClr val="lt1"/>
+          </a:fontRef>
+        </p:style>
+        <p:txBody>
+          <a:bodyPr rtlCol="0" anchor="ctr"/>
+          <a:lstStyle/>
+          <a:p>
+            <a:pPr algn="ctr"/>
+            <a:endParaRPr lang="en-US"/>
+          </a:p>
+        </p:txBody>
+      </p:sp>
+      <p:sp>
+        <p:nvSpPr>
+          <p:cNvPr id="81" name="Oval 80">
+            <a:extLst>
+              <a:ext uri="{FF2B5EF4-FFF2-40B4-BE49-F238E27FC236}">
+                <a16:creationId xmlns:a16="http://schemas.microsoft.com/office/drawing/2014/main" id="{4668F1A3-7E97-4202-A47B-018D2A2A390B}"/>
+              </a:ext>
+            </a:extLst>
+          </p:cNvPr>
+          <p:cNvSpPr/>
+          <p:nvPr/>
+        </p:nvSpPr>
+        <p:spPr>
+          <a:xfrm>
+            <a:off x="11449876" y="4290389"/>
+            <a:ext cx="523462" cy="523462"/>
+          </a:xfrm>
+          <a:prstGeom prst="ellipse">
+            <a:avLst/>
+          </a:prstGeom>
+          <a:noFill/>
+          <a:ln w="57150">
+            <a:solidFill>
+              <a:schemeClr val="accent4"/>
+            </a:solidFill>
+          </a:ln>
+        </p:spPr>
+        <p:style>
+          <a:lnRef idx="2">
+            <a:schemeClr val="accent1">
+              <a:shade val="50000"/>
+            </a:schemeClr>
+          </a:lnRef>
+          <a:fillRef idx="1">
+            <a:schemeClr val="accent1"/>
+          </a:fillRef>
+          <a:effectRef idx="0">
+            <a:schemeClr val="accent1"/>
+          </a:effectRef>
+          <a:fontRef idx="minor">
+            <a:schemeClr val="lt1"/>
+          </a:fontRef>
+        </p:style>
+        <p:txBody>
+          <a:bodyPr rtlCol="0" anchor="ctr"/>
+          <a:lstStyle/>
+          <a:p>
+            <a:pPr algn="ctr"/>
+            <a:endParaRPr lang="en-US">
+              <a:latin typeface="Arial" panose="020B0604020202020204" pitchFamily="34" charset="0"/>
+              <a:cs typeface="Arial" panose="020B0604020202020204" pitchFamily="34" charset="0"/>
+            </a:endParaRPr>
+          </a:p>
+        </p:txBody>
+      </p:sp>
       <p:cxnSp>
         <p:nvCxnSpPr>
           <p:cNvPr id="107" name="Straight Connector 106">
@@ -4505,39 +5254,211 @@
           </a:fontRef>
         </p:style>
       </p:cxnSp>
-      <p:sp>
-        <p:nvSpPr>
-          <p:cNvPr id="2" name="TextBox 1">
+      <p:cxnSp>
+        <p:nvCxnSpPr>
+          <p:cNvPr id="183" name="Straight Connector 182">
             <a:extLst>
               <a:ext uri="{FF2B5EF4-FFF2-40B4-BE49-F238E27FC236}">
-                <a16:creationId xmlns:a16="http://schemas.microsoft.com/office/drawing/2014/main" id="{8B0F108A-B8EB-4534-91B6-EC990196C5C2}"/>
+                <a16:creationId xmlns:a16="http://schemas.microsoft.com/office/drawing/2014/main" id="{9583DF96-25D4-48FA-A675-44025628770B}"/>
               </a:ext>
             </a:extLst>
           </p:cNvPr>
-          <p:cNvSpPr txBox="1"/>
+          <p:cNvCxnSpPr>
+            <a:cxnSpLocks/>
+          </p:cNvCxnSpPr>
           <p:nvPr/>
-        </p:nvSpPr>
-        <p:spPr>
-          <a:xfrm>
-            <a:off x="2980083" y="919837"/>
-            <a:ext cx="6231833" cy="461665"/>
-          </a:xfrm>
-          <a:prstGeom prst="rect">
+        </p:nvCxnSpPr>
+        <p:spPr>
+          <a:xfrm flipH="1">
+            <a:off x="10487464" y="3364629"/>
+            <a:ext cx="420233" cy="617846"/>
+          </a:xfrm>
+          <a:prstGeom prst="line">
+            <a:avLst/>
+          </a:prstGeom>
+          <a:ln w="57150">
+            <a:solidFill>
+              <a:schemeClr val="tx1"/>
+            </a:solidFill>
+          </a:ln>
+        </p:spPr>
+        <p:style>
+          <a:lnRef idx="1">
+            <a:schemeClr val="accent1"/>
+          </a:lnRef>
+          <a:fillRef idx="0">
+            <a:schemeClr val="accent1"/>
+          </a:fillRef>
+          <a:effectRef idx="0">
+            <a:schemeClr val="accent1"/>
+          </a:effectRef>
+          <a:fontRef idx="minor">
+            <a:schemeClr val="tx1"/>
+          </a:fontRef>
+        </p:style>
+      </p:cxnSp>
+      <p:sp>
+        <p:nvSpPr>
+          <p:cNvPr id="80" name="Oval 79">
+            <a:extLst>
+              <a:ext uri="{FF2B5EF4-FFF2-40B4-BE49-F238E27FC236}">
+                <a16:creationId xmlns:a16="http://schemas.microsoft.com/office/drawing/2014/main" id="{0891D040-DC80-458C-9495-CFBDE0745213}"/>
+              </a:ext>
+            </a:extLst>
+          </p:cNvPr>
+          <p:cNvSpPr/>
+          <p:nvPr/>
+        </p:nvSpPr>
+        <p:spPr>
+          <a:xfrm>
+            <a:off x="11449876" y="3505198"/>
+            <a:ext cx="523462" cy="523462"/>
+          </a:xfrm>
+          <a:prstGeom prst="ellipse">
             <a:avLst/>
           </a:prstGeom>
           <a:noFill/>
-        </p:spPr>
-        <p:txBody>
-          <a:bodyPr wrap="square" rtlCol="0">
-            <a:spAutoFit/>
-          </a:bodyPr>
+          <a:ln w="57150">
+            <a:solidFill>
+              <a:schemeClr val="accent6"/>
+            </a:solidFill>
+          </a:ln>
+        </p:spPr>
+        <p:style>
+          <a:lnRef idx="2">
+            <a:schemeClr val="accent1">
+              <a:shade val="50000"/>
+            </a:schemeClr>
+          </a:lnRef>
+          <a:fillRef idx="1">
+            <a:schemeClr val="accent1"/>
+          </a:fillRef>
+          <a:effectRef idx="0">
+            <a:schemeClr val="accent1"/>
+          </a:effectRef>
+          <a:fontRef idx="minor">
+            <a:schemeClr val="lt1"/>
+          </a:fontRef>
+        </p:style>
+        <p:txBody>
+          <a:bodyPr rtlCol="0" anchor="ctr"/>
           <a:lstStyle/>
           <a:p>
             <a:pPr algn="ctr"/>
-            <a:r>
-              <a:rPr lang="en-US" sz="2400" b="1" dirty="0"/>
-              <a:t>Allelic Series as Functional Mutations on Trees</a:t>
-            </a:r>
+            <a:endParaRPr lang="en-US">
+              <a:latin typeface="Arial" panose="020B0604020202020204" pitchFamily="34" charset="0"/>
+              <a:cs typeface="Arial" panose="020B0604020202020204" pitchFamily="34" charset="0"/>
+            </a:endParaRPr>
+          </a:p>
+        </p:txBody>
+      </p:sp>
+      <p:sp>
+        <p:nvSpPr>
+          <p:cNvPr id="79" name="Oval 78">
+            <a:extLst>
+              <a:ext uri="{FF2B5EF4-FFF2-40B4-BE49-F238E27FC236}">
+                <a16:creationId xmlns:a16="http://schemas.microsoft.com/office/drawing/2014/main" id="{BFAC0B36-BAB1-4191-94BD-C73254B91168}"/>
+              </a:ext>
+            </a:extLst>
+          </p:cNvPr>
+          <p:cNvSpPr/>
+          <p:nvPr/>
+        </p:nvSpPr>
+        <p:spPr>
+          <a:xfrm>
+            <a:off x="11449876" y="2720007"/>
+            <a:ext cx="523462" cy="523462"/>
+          </a:xfrm>
+          <a:prstGeom prst="ellipse">
+            <a:avLst/>
+          </a:prstGeom>
+          <a:noFill/>
+          <a:ln w="57150">
+            <a:solidFill>
+              <a:schemeClr val="accent4"/>
+            </a:solidFill>
+          </a:ln>
+        </p:spPr>
+        <p:style>
+          <a:lnRef idx="2">
+            <a:schemeClr val="accent1">
+              <a:shade val="50000"/>
+            </a:schemeClr>
+          </a:lnRef>
+          <a:fillRef idx="1">
+            <a:schemeClr val="accent1"/>
+          </a:fillRef>
+          <a:effectRef idx="0">
+            <a:schemeClr val="accent1"/>
+          </a:effectRef>
+          <a:fontRef idx="minor">
+            <a:schemeClr val="lt1"/>
+          </a:fontRef>
+        </p:style>
+        <p:txBody>
+          <a:bodyPr rtlCol="0" anchor="ctr"/>
+          <a:lstStyle/>
+          <a:p>
+            <a:pPr algn="ctr"/>
+            <a:endParaRPr lang="en-US">
+              <a:latin typeface="Arial" panose="020B0604020202020204" pitchFamily="34" charset="0"/>
+              <a:cs typeface="Arial" panose="020B0604020202020204" pitchFamily="34" charset="0"/>
+            </a:endParaRPr>
+          </a:p>
+        </p:txBody>
+      </p:sp>
+      <p:sp>
+        <p:nvSpPr>
+          <p:cNvPr id="78" name="Oval 77">
+            <a:extLst>
+              <a:ext uri="{FF2B5EF4-FFF2-40B4-BE49-F238E27FC236}">
+                <a16:creationId xmlns:a16="http://schemas.microsoft.com/office/drawing/2014/main" id="{50386507-6196-4EE4-A977-164977BB4508}"/>
+              </a:ext>
+            </a:extLst>
+          </p:cNvPr>
+          <p:cNvSpPr/>
+          <p:nvPr/>
+        </p:nvSpPr>
+        <p:spPr>
+          <a:xfrm>
+            <a:off x="11449876" y="1934816"/>
+            <a:ext cx="523462" cy="523462"/>
+          </a:xfrm>
+          <a:prstGeom prst="ellipse">
+            <a:avLst/>
+          </a:prstGeom>
+          <a:noFill/>
+          <a:ln w="57150">
+            <a:solidFill>
+              <a:schemeClr val="accent1"/>
+            </a:solidFill>
+          </a:ln>
+        </p:spPr>
+        <p:style>
+          <a:lnRef idx="2">
+            <a:schemeClr val="accent1">
+              <a:shade val="50000"/>
+            </a:schemeClr>
+          </a:lnRef>
+          <a:fillRef idx="1">
+            <a:schemeClr val="accent1"/>
+          </a:fillRef>
+          <a:effectRef idx="0">
+            <a:schemeClr val="accent1"/>
+          </a:effectRef>
+          <a:fontRef idx="minor">
+            <a:schemeClr val="lt1"/>
+          </a:fontRef>
+        </p:style>
+        <p:txBody>
+          <a:bodyPr rtlCol="0" anchor="ctr"/>
+          <a:lstStyle/>
+          <a:p>
+            <a:pPr algn="ctr"/>
+            <a:endParaRPr lang="en-US">
+              <a:latin typeface="Arial" panose="020B0604020202020204" pitchFamily="34" charset="0"/>
+              <a:cs typeface="Arial" panose="020B0604020202020204" pitchFamily="34" charset="0"/>
+            </a:endParaRPr>
           </a:p>
         </p:txBody>
       </p:sp>
